--- a/MMUQ_task1.pptx
+++ b/MMUQ_task1.pptx
@@ -6,47 +6,48 @@
     <p:sldMasterId id="2147483648" r:id="rId2"/>
   </p:sldMasterIdLst>
   <p:notesMasterIdLst>
-    <p:notesMasterId r:id="rId38"/>
+    <p:notesMasterId r:id="rId39"/>
   </p:notesMasterIdLst>
   <p:handoutMasterIdLst>
-    <p:handoutMasterId r:id="rId39"/>
+    <p:handoutMasterId r:id="rId40"/>
   </p:handoutMasterIdLst>
   <p:sldIdLst>
     <p:sldId id="355" r:id="rId3"/>
     <p:sldId id="609" r:id="rId4"/>
-    <p:sldId id="575" r:id="rId5"/>
-    <p:sldId id="407" r:id="rId6"/>
-    <p:sldId id="608" r:id="rId7"/>
+    <p:sldId id="407" r:id="rId5"/>
+    <p:sldId id="575" r:id="rId6"/>
+    <p:sldId id="614" r:id="rId7"/>
     <p:sldId id="572" r:id="rId8"/>
-    <p:sldId id="588" r:id="rId9"/>
-    <p:sldId id="579" r:id="rId10"/>
-    <p:sldId id="576" r:id="rId11"/>
-    <p:sldId id="577" r:id="rId12"/>
-    <p:sldId id="580" r:id="rId13"/>
-    <p:sldId id="612" r:id="rId14"/>
-    <p:sldId id="581" r:id="rId15"/>
-    <p:sldId id="582" r:id="rId16"/>
-    <p:sldId id="584" r:id="rId17"/>
-    <p:sldId id="590" r:id="rId18"/>
-    <p:sldId id="586" r:id="rId19"/>
-    <p:sldId id="610" r:id="rId20"/>
-    <p:sldId id="583" r:id="rId21"/>
-    <p:sldId id="587" r:id="rId22"/>
-    <p:sldId id="592" r:id="rId23"/>
-    <p:sldId id="594" r:id="rId24"/>
-    <p:sldId id="593" r:id="rId25"/>
-    <p:sldId id="595" r:id="rId26"/>
-    <p:sldId id="596" r:id="rId27"/>
-    <p:sldId id="597" r:id="rId28"/>
-    <p:sldId id="598" r:id="rId29"/>
-    <p:sldId id="599" r:id="rId30"/>
-    <p:sldId id="600" r:id="rId31"/>
-    <p:sldId id="605" r:id="rId32"/>
-    <p:sldId id="613" r:id="rId33"/>
-    <p:sldId id="604" r:id="rId34"/>
-    <p:sldId id="602" r:id="rId35"/>
-    <p:sldId id="603" r:id="rId36"/>
-    <p:sldId id="569" r:id="rId37"/>
+    <p:sldId id="615" r:id="rId9"/>
+    <p:sldId id="588" r:id="rId10"/>
+    <p:sldId id="579" r:id="rId11"/>
+    <p:sldId id="576" r:id="rId12"/>
+    <p:sldId id="577" r:id="rId13"/>
+    <p:sldId id="580" r:id="rId14"/>
+    <p:sldId id="612" r:id="rId15"/>
+    <p:sldId id="581" r:id="rId16"/>
+    <p:sldId id="582" r:id="rId17"/>
+    <p:sldId id="584" r:id="rId18"/>
+    <p:sldId id="590" r:id="rId19"/>
+    <p:sldId id="586" r:id="rId20"/>
+    <p:sldId id="610" r:id="rId21"/>
+    <p:sldId id="583" r:id="rId22"/>
+    <p:sldId id="587" r:id="rId23"/>
+    <p:sldId id="592" r:id="rId24"/>
+    <p:sldId id="594" r:id="rId25"/>
+    <p:sldId id="593" r:id="rId26"/>
+    <p:sldId id="595" r:id="rId27"/>
+    <p:sldId id="596" r:id="rId28"/>
+    <p:sldId id="597" r:id="rId29"/>
+    <p:sldId id="598" r:id="rId30"/>
+    <p:sldId id="599" r:id="rId31"/>
+    <p:sldId id="600" r:id="rId32"/>
+    <p:sldId id="605" r:id="rId33"/>
+    <p:sldId id="613" r:id="rId34"/>
+    <p:sldId id="604" r:id="rId35"/>
+    <p:sldId id="602" r:id="rId36"/>
+    <p:sldId id="603" r:id="rId37"/>
+    <p:sldId id="569" r:id="rId38"/>
   </p:sldIdLst>
   <p:sldSz cx="9144000" cy="5143500" type="screen16x9"/>
   <p:notesSz cx="9925050" cy="6665913"/>
@@ -222,7 +223,7 @@
 <file path=ppt/charts/chart1.xml><?xml version="1.0" encoding="utf-8"?>
 <c:chartSpace xmlns:c="http://schemas.openxmlformats.org/drawingml/2006/chart" xmlns:a="http://schemas.openxmlformats.org/drawingml/2006/main" xmlns:r="http://schemas.openxmlformats.org/officeDocument/2006/relationships" xmlns:c16r2="http://schemas.microsoft.com/office/drawing/2015/06/chart">
   <c:date1904 val="0"/>
-  <c:lang val="en-GB"/>
+  <c:lang val="en-US"/>
   <c:roundedCorners val="0"/>
   <mc:AlternateContent xmlns:mc="http://schemas.openxmlformats.org/markup-compatibility/2006">
     <mc:Choice xmlns:c14="http://schemas.microsoft.com/office/drawing/2007/8/2/chart" Requires="c14">
@@ -2055,7 +2056,7 @@
               <a:pPr>
                 <a:defRPr/>
               </a:pPr>
-              <a:t>31/10/2024</a:t>
+              <a:t>07/11/2024</a:t>
             </a:fld>
             <a:endParaRPr lang="en-GB" dirty="0"/>
           </a:p>
@@ -2274,7 +2275,7 @@
               <a:pPr>
                 <a:defRPr/>
               </a:pPr>
-              <a:t>31/10/2024</a:t>
+              <a:t>07/11/2024</a:t>
             </a:fld>
             <a:endParaRPr lang="en-GB"/>
           </a:p>
@@ -2928,7 +2929,7 @@
               <a:pPr>
                 <a:defRPr/>
               </a:pPr>
-              <a:t>11</a:t>
+              <a:t>12</a:t>
             </a:fld>
             <a:endParaRPr lang="en-GB"/>
           </a:p>
@@ -3083,7 +3084,7 @@
               <a:pPr>
                 <a:defRPr/>
               </a:pPr>
-              <a:t>12</a:t>
+              <a:t>13</a:t>
             </a:fld>
             <a:endParaRPr lang="en-GB"/>
           </a:p>
@@ -3144,7 +3145,7 @@
         <p:spPr/>
         <p:txBody>
           <a:bodyPr>
-            <a:normAutofit fontScale="70000" lnSpcReduction="20000"/>
+            <a:normAutofit fontScale="47500" lnSpcReduction="20000"/>
           </a:bodyPr>
           <a:lstStyle/>
           <a:p>
@@ -3544,7 +3545,7 @@
               <a:pPr>
                 <a:defRPr/>
               </a:pPr>
-              <a:t>13</a:t>
+              <a:t>14</a:t>
             </a:fld>
             <a:endParaRPr lang="en-GB"/>
           </a:p>
@@ -3811,7 +3812,7 @@
               <a:pPr>
                 <a:defRPr/>
               </a:pPr>
-              <a:t>14</a:t>
+              <a:t>15</a:t>
             </a:fld>
             <a:endParaRPr lang="en-GB"/>
           </a:p>
@@ -3988,7 +3989,7 @@
               <a:pPr>
                 <a:defRPr/>
               </a:pPr>
-              <a:t>15</a:t>
+              <a:t>16</a:t>
             </a:fld>
             <a:endParaRPr lang="en-GB"/>
           </a:p>
@@ -4157,7 +4158,7 @@
               <a:pPr>
                 <a:defRPr/>
               </a:pPr>
-              <a:t>17</a:t>
+              <a:t>18</a:t>
             </a:fld>
             <a:endParaRPr lang="en-GB"/>
           </a:p>
@@ -4250,7 +4251,7 @@
               <a:pPr>
                 <a:defRPr/>
               </a:pPr>
-              <a:t>18</a:t>
+              <a:t>19</a:t>
             </a:fld>
             <a:endParaRPr lang="en-GB"/>
           </a:p>
@@ -4546,7 +4547,7 @@
               <a:pPr>
                 <a:defRPr/>
               </a:pPr>
-              <a:t>19</a:t>
+              <a:t>20</a:t>
             </a:fld>
             <a:endParaRPr lang="en-GB"/>
           </a:p>
@@ -4721,7 +4722,7 @@
               <a:pPr>
                 <a:defRPr/>
               </a:pPr>
-              <a:t>20</a:t>
+              <a:t>21</a:t>
             </a:fld>
             <a:endParaRPr lang="en-GB"/>
           </a:p>
@@ -4811,7 +4812,7 @@
               <a:pPr>
                 <a:defRPr/>
               </a:pPr>
-              <a:t>21</a:t>
+              <a:t>22</a:t>
             </a:fld>
             <a:endParaRPr lang="en-GB"/>
           </a:p>
@@ -5034,7 +5035,7 @@
               <a:pPr>
                 <a:defRPr/>
               </a:pPr>
-              <a:t>22</a:t>
+              <a:t>23</a:t>
             </a:fld>
             <a:endParaRPr lang="en-GB"/>
           </a:p>
@@ -5209,7 +5210,7 @@
               <a:pPr>
                 <a:defRPr/>
               </a:pPr>
-              <a:t>23</a:t>
+              <a:t>24</a:t>
             </a:fld>
             <a:endParaRPr lang="en-GB"/>
           </a:p>
@@ -5384,7 +5385,7 @@
               <a:pPr>
                 <a:defRPr/>
               </a:pPr>
-              <a:t>24</a:t>
+              <a:t>25</a:t>
             </a:fld>
             <a:endParaRPr lang="en-GB"/>
           </a:p>
@@ -5497,7 +5498,7 @@
               <a:pPr>
                 <a:defRPr/>
               </a:pPr>
-              <a:t>25</a:t>
+              <a:t>26</a:t>
             </a:fld>
             <a:endParaRPr lang="en-GB"/>
           </a:p>
@@ -5639,7 +5640,7 @@
               <a:pPr>
                 <a:defRPr/>
               </a:pPr>
-              <a:t>26</a:t>
+              <a:t>27</a:t>
             </a:fld>
             <a:endParaRPr lang="en-GB"/>
           </a:p>
@@ -5778,7 +5779,7 @@
               <a:pPr>
                 <a:defRPr/>
               </a:pPr>
-              <a:t>27</a:t>
+              <a:t>28</a:t>
             </a:fld>
             <a:endParaRPr lang="en-GB"/>
           </a:p>
@@ -5899,7 +5900,7 @@
               <a:pPr>
                 <a:defRPr/>
               </a:pPr>
-              <a:t>28</a:t>
+              <a:t>29</a:t>
             </a:fld>
             <a:endParaRPr lang="en-GB"/>
           </a:p>
@@ -6061,7 +6062,7 @@
               <a:pPr>
                 <a:defRPr/>
               </a:pPr>
-              <a:t>29</a:t>
+              <a:t>30</a:t>
             </a:fld>
             <a:endParaRPr lang="en-GB"/>
           </a:p>
@@ -6309,7 +6310,7 @@
               <a:pPr>
                 <a:defRPr/>
               </a:pPr>
-              <a:t>30</a:t>
+              <a:t>31</a:t>
             </a:fld>
             <a:endParaRPr lang="en-GB"/>
           </a:p>
@@ -6426,7 +6427,7 @@
               <a:pPr>
                 <a:defRPr/>
               </a:pPr>
-              <a:t>31</a:t>
+              <a:t>32</a:t>
             </a:fld>
             <a:endParaRPr lang="en-GB"/>
           </a:p>
@@ -6519,7 +6520,7 @@
               <a:pPr>
                 <a:defRPr/>
               </a:pPr>
-              <a:t>4</a:t>
+              <a:t>3</a:t>
             </a:fld>
             <a:endParaRPr lang="en-GB"/>
           </a:p>
@@ -6633,7 +6634,7 @@
               <a:pPr>
                 <a:defRPr/>
               </a:pPr>
-              <a:t>32</a:t>
+              <a:t>33</a:t>
             </a:fld>
             <a:endParaRPr lang="en-GB"/>
           </a:p>
@@ -6775,7 +6776,7 @@
               <a:pPr>
                 <a:defRPr/>
               </a:pPr>
-              <a:t>33</a:t>
+              <a:t>34</a:t>
             </a:fld>
             <a:endParaRPr lang="en-GB"/>
           </a:p>
@@ -6889,7 +6890,7 @@
               <a:pPr>
                 <a:defRPr/>
               </a:pPr>
-              <a:t>34</a:t>
+              <a:t>35</a:t>
             </a:fld>
             <a:endParaRPr lang="en-GB"/>
           </a:p>
@@ -6913,10 +6914,146 @@
   <p:cSld>
     <p:spTree>
       <p:nvGrpSpPr>
+        <p:cNvPr id="1" name=""/>
+        <p:cNvGrpSpPr/>
+        <p:nvPr/>
+      </p:nvGrpSpPr>
+      <p:grpSpPr>
+        <a:xfrm>
+          <a:off x="0" y="0"/>
+          <a:ext cx="0" cy="0"/>
+          <a:chOff x="0" y="0"/>
+          <a:chExt cx="0" cy="0"/>
+        </a:xfrm>
+      </p:grpSpPr>
+      <p:sp>
+        <p:nvSpPr>
+          <p:cNvPr id="2" name="Slide Image Placeholder 1"/>
+          <p:cNvSpPr>
+            <a:spLocks noGrp="1" noRot="1" noChangeAspect="1"/>
+          </p:cNvSpPr>
+          <p:nvPr>
+            <p:ph type="sldImg"/>
+          </p:nvPr>
+        </p:nvSpPr>
+        <p:spPr/>
+      </p:sp>
+      <p:sp>
+        <p:nvSpPr>
+          <p:cNvPr id="3" name="Notes Placeholder 2"/>
+          <p:cNvSpPr>
+            <a:spLocks noGrp="1"/>
+          </p:cNvSpPr>
+          <p:nvPr>
+            <p:ph type="body" idx="1"/>
+          </p:nvPr>
+        </p:nvSpPr>
+        <p:spPr/>
+        <p:txBody>
+          <a:bodyPr/>
+          <a:lstStyle/>
+          <a:p>
+            <a:pPr marL="0" indent="0">
+              <a:buFont typeface="Arial" panose="020B0604020202020204" pitchFamily="34" charset="0"/>
+              <a:buNone/>
+            </a:pPr>
+            <a:r>
+              <a:rPr lang="en-GB" b="0" i="0" u="none" strike="noStrike" dirty="0">
+                <a:solidFill>
+                  <a:srgbClr val="000000"/>
+                </a:solidFill>
+                <a:effectLst/>
+                <a:latin typeface="-webkit-standard"/>
+              </a:rPr>
+              <a:t>The global chemicals regime is a complex network of treaties and policies that collectively aim to protect health and the environment from hazardous chemicals. This regime involves key agreements: the Basel, Rotterdam, and Stockholm Conventions, along with the CLRTAP POPs Protocol. </a:t>
+            </a:r>
+          </a:p>
+          <a:p>
+            <a:pPr marL="0" indent="0">
+              <a:buFont typeface="Arial" panose="020B0604020202020204" pitchFamily="34" charset="0"/>
+              <a:buNone/>
+            </a:pPr>
+            <a:endParaRPr lang="en-GB" b="0" i="0" u="none" strike="noStrike" dirty="0">
+              <a:solidFill>
+                <a:srgbClr val="000000"/>
+              </a:solidFill>
+              <a:effectLst/>
+              <a:latin typeface="-webkit-standard"/>
+            </a:endParaRPr>
+          </a:p>
+          <a:p>
+            <a:pPr marL="0" indent="0">
+              <a:buFont typeface="Arial" panose="020B0604020202020204" pitchFamily="34" charset="0"/>
+              <a:buNone/>
+            </a:pPr>
+            <a:r>
+              <a:rPr lang="en-GB" b="0" i="0" u="none" strike="noStrike" dirty="0">
+                <a:solidFill>
+                  <a:srgbClr val="000000"/>
+                </a:solidFill>
+                <a:effectLst/>
+                <a:latin typeface="-webkit-standard"/>
+              </a:rPr>
+              <a:t>Each plays a distinct role in managing different aspects of chemicals and hazardous waste. Today, we’ll look at how this regime functions and how effectively it meets its objectives</a:t>
+            </a:r>
+            <a:endParaRPr lang="en-GB" dirty="0"/>
+          </a:p>
+          <a:p>
+            <a:endParaRPr lang="en-GB" dirty="0"/>
+          </a:p>
+        </p:txBody>
+      </p:sp>
+      <p:sp>
+        <p:nvSpPr>
+          <p:cNvPr id="4" name="Slide Number Placeholder 3"/>
+          <p:cNvSpPr>
+            <a:spLocks noGrp="1"/>
+          </p:cNvSpPr>
+          <p:nvPr>
+            <p:ph type="sldNum" sz="quarter" idx="5"/>
+          </p:nvPr>
+        </p:nvSpPr>
+        <p:spPr/>
+        <p:txBody>
+          <a:bodyPr/>
+          <a:lstStyle/>
+          <a:p>
+            <a:pPr>
+              <a:defRPr/>
+            </a:pPr>
+            <a:fld id="{00AFC6D0-44D5-4EB7-828F-6F464F83D79A}" type="slidenum">
+              <a:rPr lang="en-GB" smtClean="0"/>
+              <a:pPr>
+                <a:defRPr/>
+              </a:pPr>
+              <a:t>6</a:t>
+            </a:fld>
+            <a:endParaRPr lang="en-GB"/>
+          </a:p>
+        </p:txBody>
+      </p:sp>
+    </p:spTree>
+    <p:extLst>
+      <p:ext uri="{BB962C8B-B14F-4D97-AF65-F5344CB8AC3E}">
+        <p14:creationId xmlns:p14="http://schemas.microsoft.com/office/powerpoint/2010/main" val="3684204025"/>
+      </p:ext>
+    </p:extLst>
+  </p:cSld>
+  <p:clrMapOvr>
+    <a:masterClrMapping/>
+  </p:clrMapOvr>
+</p:notes>
+</file>
+
+<file path=ppt/notesSlides/notesSlide5.xml><?xml version="1.0" encoding="utf-8"?>
+<p:notes xmlns:a="http://schemas.openxmlformats.org/drawingml/2006/main" xmlns:r="http://schemas.openxmlformats.org/officeDocument/2006/relationships" xmlns:p="http://schemas.openxmlformats.org/presentationml/2006/main">
+  <p:cSld>
+    <p:spTree>
+      <p:nvGrpSpPr>
         <p:cNvPr id="1" name="">
           <a:extLst>
             <a:ext uri="{FF2B5EF4-FFF2-40B4-BE49-F238E27FC236}">
-              <a16:creationId xmlns:a16="http://schemas.microsoft.com/office/drawing/2014/main" id="{2561669E-85E0-4F07-F39A-0B8C0DA6F26B}"/>
+              <a16:creationId xmlns:a16="http://schemas.microsoft.com/office/drawing/2014/main" id="{55DA2BD1-7FF9-BA63-C8D7-AA7AB4EDE4BC}"/>
             </a:ext>
           </a:extLst>
         </p:cNvPr>
@@ -6936,7 +7073,7 @@
           <p:cNvPr id="2" name="Slide Image Placeholder 1">
             <a:extLst>
               <a:ext uri="{FF2B5EF4-FFF2-40B4-BE49-F238E27FC236}">
-                <a16:creationId xmlns:a16="http://schemas.microsoft.com/office/drawing/2014/main" id="{2B809903-9E15-B1EE-925F-ADE116238139}"/>
+                <a16:creationId xmlns:a16="http://schemas.microsoft.com/office/drawing/2014/main" id="{84862B8F-E6FA-26D3-B840-4A9ECCB74554}"/>
               </a:ext>
             </a:extLst>
           </p:cNvPr>
@@ -6954,109 +7091,10 @@
           <p:cNvPr id="3" name="Notes Placeholder 2">
             <a:extLst>
               <a:ext uri="{FF2B5EF4-FFF2-40B4-BE49-F238E27FC236}">
-                <a16:creationId xmlns:a16="http://schemas.microsoft.com/office/drawing/2014/main" id="{97E5DF61-2484-C7EC-20AB-C9EEBEDA7941}"/>
+                <a16:creationId xmlns:a16="http://schemas.microsoft.com/office/drawing/2014/main" id="{38CB2C93-5E66-721A-14A5-08214B5130F7}"/>
               </a:ext>
             </a:extLst>
           </p:cNvPr>
-          <p:cNvSpPr>
-            <a:spLocks noGrp="1"/>
-          </p:cNvSpPr>
-          <p:nvPr>
-            <p:ph type="body" idx="1"/>
-          </p:nvPr>
-        </p:nvSpPr>
-        <p:spPr/>
-        <p:txBody>
-          <a:bodyPr/>
-          <a:lstStyle/>
-          <a:p>
-            <a:r>
-              <a:rPr lang="en-GB" dirty="0"/>
-              <a:t>This is only the agenda of the Paper one. There is need of adding introduction, questions, what they could have done better in the treaties but as well as in the paper.</a:t>
-            </a:r>
-          </a:p>
-        </p:txBody>
-      </p:sp>
-      <p:sp>
-        <p:nvSpPr>
-          <p:cNvPr id="4" name="Slide Number Placeholder 3">
-            <a:extLst>
-              <a:ext uri="{FF2B5EF4-FFF2-40B4-BE49-F238E27FC236}">
-                <a16:creationId xmlns:a16="http://schemas.microsoft.com/office/drawing/2014/main" id="{E9AC2B5F-0E24-ECB9-0530-BFBBA9384055}"/>
-              </a:ext>
-            </a:extLst>
-          </p:cNvPr>
-          <p:cNvSpPr>
-            <a:spLocks noGrp="1"/>
-          </p:cNvSpPr>
-          <p:nvPr>
-            <p:ph type="sldNum" sz="quarter" idx="5"/>
-          </p:nvPr>
-        </p:nvSpPr>
-        <p:spPr/>
-        <p:txBody>
-          <a:bodyPr/>
-          <a:lstStyle/>
-          <a:p>
-            <a:pPr>
-              <a:defRPr/>
-            </a:pPr>
-            <a:fld id="{00AFC6D0-44D5-4EB7-828F-6F464F83D79A}" type="slidenum">
-              <a:rPr lang="en-GB" smtClean="0"/>
-              <a:pPr>
-                <a:defRPr/>
-              </a:pPr>
-              <a:t>5</a:t>
-            </a:fld>
-            <a:endParaRPr lang="en-GB"/>
-          </a:p>
-        </p:txBody>
-      </p:sp>
-    </p:spTree>
-    <p:extLst>
-      <p:ext uri="{BB962C8B-B14F-4D97-AF65-F5344CB8AC3E}">
-        <p14:creationId xmlns:p14="http://schemas.microsoft.com/office/powerpoint/2010/main" val="2345326947"/>
-      </p:ext>
-    </p:extLst>
-  </p:cSld>
-  <p:clrMapOvr>
-    <a:masterClrMapping/>
-  </p:clrMapOvr>
-</p:notes>
-</file>
-
-<file path=ppt/notesSlides/notesSlide5.xml><?xml version="1.0" encoding="utf-8"?>
-<p:notes xmlns:a="http://schemas.openxmlformats.org/drawingml/2006/main" xmlns:r="http://schemas.openxmlformats.org/officeDocument/2006/relationships" xmlns:p="http://schemas.openxmlformats.org/presentationml/2006/main">
-  <p:cSld>
-    <p:spTree>
-      <p:nvGrpSpPr>
-        <p:cNvPr id="1" name=""/>
-        <p:cNvGrpSpPr/>
-        <p:nvPr/>
-      </p:nvGrpSpPr>
-      <p:grpSpPr>
-        <a:xfrm>
-          <a:off x="0" y="0"/>
-          <a:ext cx="0" cy="0"/>
-          <a:chOff x="0" y="0"/>
-          <a:chExt cx="0" cy="0"/>
-        </a:xfrm>
-      </p:grpSpPr>
-      <p:sp>
-        <p:nvSpPr>
-          <p:cNvPr id="2" name="Slide Image Placeholder 1"/>
-          <p:cNvSpPr>
-            <a:spLocks noGrp="1" noRot="1" noChangeAspect="1"/>
-          </p:cNvSpPr>
-          <p:nvPr>
-            <p:ph type="sldImg"/>
-          </p:nvPr>
-        </p:nvSpPr>
-        <p:spPr/>
-      </p:sp>
-      <p:sp>
-        <p:nvSpPr>
-          <p:cNvPr id="3" name="Notes Placeholder 2"/>
           <p:cNvSpPr>
             <a:spLocks noGrp="1"/>
           </p:cNvSpPr>
@@ -7121,7 +7159,13 @@
       </p:sp>
       <p:sp>
         <p:nvSpPr>
-          <p:cNvPr id="4" name="Slide Number Placeholder 3"/>
+          <p:cNvPr id="4" name="Slide Number Placeholder 3">
+            <a:extLst>
+              <a:ext uri="{FF2B5EF4-FFF2-40B4-BE49-F238E27FC236}">
+                <a16:creationId xmlns:a16="http://schemas.microsoft.com/office/drawing/2014/main" id="{D93F26AD-281A-DAF1-6D80-3E79A4946A99}"/>
+              </a:ext>
+            </a:extLst>
+          </p:cNvPr>
           <p:cNvSpPr>
             <a:spLocks noGrp="1"/>
           </p:cNvSpPr>
@@ -7142,7 +7186,7 @@
               <a:pPr>
                 <a:defRPr/>
               </a:pPr>
-              <a:t>6</a:t>
+              <a:t>7</a:t>
             </a:fld>
             <a:endParaRPr lang="en-GB"/>
           </a:p>
@@ -7151,7 +7195,7 @@
     </p:spTree>
     <p:extLst>
       <p:ext uri="{BB962C8B-B14F-4D97-AF65-F5344CB8AC3E}">
-        <p14:creationId xmlns:p14="http://schemas.microsoft.com/office/powerpoint/2010/main" val="3684204025"/>
+        <p14:creationId xmlns:p14="http://schemas.microsoft.com/office/powerpoint/2010/main" val="1691973525"/>
       </p:ext>
     </p:extLst>
   </p:cSld>
@@ -7317,7 +7361,7 @@
               <a:pPr>
                 <a:defRPr/>
               </a:pPr>
-              <a:t>7</a:t>
+              <a:t>8</a:t>
             </a:fld>
             <a:endParaRPr lang="en-GB"/>
           </a:p>
@@ -7434,7 +7478,7 @@
               <a:pPr>
                 <a:defRPr/>
               </a:pPr>
-              <a:t>8</a:t>
+              <a:t>9</a:t>
             </a:fld>
             <a:endParaRPr lang="en-GB"/>
           </a:p>
@@ -7874,7 +7918,7 @@
               <a:pPr>
                 <a:defRPr/>
               </a:pPr>
-              <a:t>9</a:t>
+              <a:t>10</a:t>
             </a:fld>
             <a:endParaRPr lang="en-GB"/>
           </a:p>
@@ -7997,7 +8041,7 @@
               <a:pPr>
                 <a:defRPr/>
               </a:pPr>
-              <a:t>10</a:t>
+              <a:t>11</a:t>
             </a:fld>
             <a:endParaRPr lang="en-GB"/>
           </a:p>
@@ -9729,8 +9773,8 @@
         </p:nvSpPr>
         <p:spPr>
           <a:xfrm>
-            <a:off x="319088" y="1484040"/>
-            <a:ext cx="8508999" cy="2687460"/>
+            <a:off x="319088" y="1484039"/>
+            <a:ext cx="8508999" cy="3013417"/>
           </a:xfrm>
         </p:spPr>
         <p:txBody>
@@ -9746,85 +9790,51 @@
             <a:endParaRPr lang="en-GB" dirty="0"/>
           </a:p>
           <a:p>
-            <a:endParaRPr lang="en-GB" dirty="0"/>
+            <a:r>
+              <a:rPr lang="en-GB" b="1" dirty="0"/>
+              <a:t>Task 1: Parameter Optimization </a:t>
+            </a:r>
           </a:p>
           <a:p>
             <a:r>
               <a:rPr lang="en-GB" dirty="0"/>
-              <a:t>Agnes Dechêne</a:t>
-            </a:r>
-            <a:br>
-              <a:rPr lang="en-GB" dirty="0"/>
-            </a:br>
-            <a:r>
-              <a:rPr lang="en-GB" dirty="0"/>
-              <a:t>Course: Ethics and Politics of Existential Global Risks</a:t>
-            </a:r>
+              <a:t>Fit Lumped HBV012a model to observed river flow data</a:t>
+            </a:r>
+          </a:p>
+          <a:p>
+            <a:endParaRPr lang="en-GB" b="1" dirty="0"/>
+          </a:p>
+          <a:p>
+            <a:endParaRPr lang="en-GB" b="1" dirty="0"/>
           </a:p>
           <a:p>
             <a:r>
               <a:rPr lang="en-GB" dirty="0">
                 <a:latin typeface="+mn-lt"/>
               </a:rPr>
-              <a:t>Chair of Environmental &amp; Climate Policy </a:t>
-            </a:r>
-            <a:endParaRPr lang="en-GB" dirty="0"/>
-          </a:p>
-          <a:p>
+              <a:t>Lisa Beer, </a:t>
+            </a:r>
             <a:r>
               <a:rPr lang="en-GB" dirty="0"/>
-              <a:t>Munich, 31. October 2024</a:t>
+              <a:t>Agnes </a:t>
+            </a:r>
+            <a:r>
+              <a:rPr lang="en-GB" dirty="0" err="1"/>
+              <a:t>Dechêne</a:t>
+            </a:r>
+            <a:r>
+              <a:rPr lang="en-GB" dirty="0"/>
+              <a:t>, Helena Franta</a:t>
+            </a:r>
+          </a:p>
+          <a:p>
+            <a:r>
+              <a:rPr lang="en-GB" dirty="0"/>
+              <a:t>Munich, 08. November 2024</a:t>
             </a:r>
           </a:p>
         </p:txBody>
       </p:sp>
-      <p:pic>
-        <p:nvPicPr>
-          <p:cNvPr id="1026" name="Picture 2" descr="Harmful Chemicals Guidance Safety Signs | ubicaciondepersonas.cdmx.gob.mx">
-            <a:extLst>
-              <a:ext uri="{FF2B5EF4-FFF2-40B4-BE49-F238E27FC236}">
-                <a16:creationId xmlns:a16="http://schemas.microsoft.com/office/drawing/2014/main" id="{91BF6E1F-5C57-D86C-DDDA-9BBBD2F41A98}"/>
-              </a:ext>
-            </a:extLst>
-          </p:cNvPr>
-          <p:cNvPicPr>
-            <a:picLocks noChangeAspect="1" noChangeArrowheads="1"/>
-          </p:cNvPicPr>
-          <p:nvPr/>
-        </p:nvPicPr>
-        <p:blipFill>
-          <a:blip r:embed="rId4">
-            <a:extLst>
-              <a:ext uri="{28A0092B-C50C-407E-A947-70E740481C1C}">
-                <a14:useLocalDpi xmlns:a14="http://schemas.microsoft.com/office/drawing/2010/main" val="0"/>
-              </a:ext>
-            </a:extLst>
-          </a:blip>
-          <a:srcRect/>
-          <a:stretch>
-            <a:fillRect/>
-          </a:stretch>
-        </p:blipFill>
-        <p:spPr bwMode="auto">
-          <a:xfrm>
-            <a:off x="5470071" y="0"/>
-            <a:ext cx="3673929" cy="5143500"/>
-          </a:xfrm>
-          <a:prstGeom prst="rect">
-            <a:avLst/>
-          </a:prstGeom>
-          <a:noFill/>
-          <a:extLst>
-            <a:ext uri="{909E8E84-426E-40DD-AFC4-6F175D3DCCD1}">
-              <a14:hiddenFill xmlns:a14="http://schemas.microsoft.com/office/drawing/2010/main">
-                <a:solidFill>
-                  <a:srgbClr val="FFFFFF"/>
-                </a:solidFill>
-              </a14:hiddenFill>
-            </a:ext>
-          </a:extLst>
-        </p:spPr>
-      </p:pic>
       <p:sp>
         <p:nvSpPr>
           <p:cNvPr id="5" name="Titel 4"/>
@@ -9851,7 +9861,7 @@
                   <a:srgbClr val="045EB2"/>
                 </a:solidFill>
               </a:rPr>
-              <a:t>Global Chemicals Politics and Policy</a:t>
+              <a:t>Mathematical Methods of </a:t>
             </a:r>
             <a:br>
               <a:rPr lang="en-GB" dirty="0">
@@ -9866,7 +9876,7 @@
                   <a:srgbClr val="045EB2"/>
                 </a:solidFill>
               </a:rPr>
-              <a:t> &amp; The Rotterdam Convention</a:t>
+              <a:t>Uncertainty Quantification in Hydrology</a:t>
             </a:r>
           </a:p>
         </p:txBody>
@@ -9915,6 +9925,415 @@
 </file>
 
 <file path=ppt/slides/slide10.xml><?xml version="1.0" encoding="utf-8"?>
+<p:sld xmlns:a="http://schemas.openxmlformats.org/drawingml/2006/main" xmlns:r="http://schemas.openxmlformats.org/officeDocument/2006/relationships" xmlns:p="http://schemas.openxmlformats.org/presentationml/2006/main">
+  <p:cSld>
+    <p:spTree>
+      <p:nvGrpSpPr>
+        <p:cNvPr id="1" name="">
+          <a:extLst>
+            <a:ext uri="{FF2B5EF4-FFF2-40B4-BE49-F238E27FC236}">
+              <a16:creationId xmlns:a16="http://schemas.microsoft.com/office/drawing/2014/main" id="{E6ECB3E3-13FE-5C9E-E361-7CA343189347}"/>
+            </a:ext>
+          </a:extLst>
+        </p:cNvPr>
+        <p:cNvGrpSpPr/>
+        <p:nvPr/>
+      </p:nvGrpSpPr>
+      <p:grpSpPr>
+        <a:xfrm>
+          <a:off x="0" y="0"/>
+          <a:ext cx="0" cy="0"/>
+          <a:chOff x="0" y="0"/>
+          <a:chExt cx="0" cy="0"/>
+        </a:xfrm>
+      </p:grpSpPr>
+      <p:sp>
+        <p:nvSpPr>
+          <p:cNvPr id="2" name="Content Placeholder 1">
+            <a:extLst>
+              <a:ext uri="{FF2B5EF4-FFF2-40B4-BE49-F238E27FC236}">
+                <a16:creationId xmlns:a16="http://schemas.microsoft.com/office/drawing/2014/main" id="{18AAFA46-23E5-F670-1134-E294E8C2641F}"/>
+              </a:ext>
+            </a:extLst>
+          </p:cNvPr>
+          <p:cNvSpPr>
+            <a:spLocks noGrp="1"/>
+          </p:cNvSpPr>
+          <p:nvPr>
+            <p:ph idx="1"/>
+          </p:nvPr>
+        </p:nvSpPr>
+        <p:spPr/>
+        <p:txBody>
+          <a:bodyPr/>
+          <a:lstStyle/>
+          <a:p>
+            <a:pPr marL="285750" indent="-285750">
+              <a:buFont typeface="Arial" panose="020B0604020202020204" pitchFamily="34" charset="0"/>
+              <a:buChar char="•"/>
+            </a:pPr>
+            <a:r>
+              <a:rPr lang="en-GB" dirty="0"/>
+              <a:t>Fragmented yet Interconnected</a:t>
+            </a:r>
+          </a:p>
+          <a:p>
+            <a:pPr marL="285750" indent="-285750">
+              <a:buFont typeface="Arial" panose="020B0604020202020204" pitchFamily="34" charset="0"/>
+              <a:buChar char="•"/>
+            </a:pPr>
+            <a:endParaRPr lang="en-GB" dirty="0"/>
+          </a:p>
+          <a:p>
+            <a:pPr marL="285750" indent="-285750">
+              <a:buFont typeface="Arial" panose="020B0604020202020204" pitchFamily="34" charset="0"/>
+              <a:buChar char="•"/>
+            </a:pPr>
+            <a:r>
+              <a:rPr lang="en-GB" dirty="0"/>
+              <a:t>SAICM Framework: Strategic Approach to International Chemicals Management is a voluntary, overarching framework to support policy coordination and capacity-building.</a:t>
+            </a:r>
+          </a:p>
+          <a:p>
+            <a:pPr marL="285750" indent="-285750">
+              <a:buFont typeface="Arial" panose="020B0604020202020204" pitchFamily="34" charset="0"/>
+              <a:buChar char="•"/>
+            </a:pPr>
+            <a:endParaRPr lang="en-GB" dirty="0"/>
+          </a:p>
+          <a:p>
+            <a:pPr marL="285750" indent="-285750">
+              <a:buFont typeface="Arial" panose="020B0604020202020204" pitchFamily="34" charset="0"/>
+              <a:buChar char="•"/>
+            </a:pPr>
+            <a:endParaRPr lang="en-GB" dirty="0"/>
+          </a:p>
+          <a:p>
+            <a:r>
+              <a:rPr lang="en-GB" dirty="0">
+                <a:sym typeface="Wingdings" pitchFamily="2" charset="2"/>
+              </a:rPr>
+              <a:t> </a:t>
+            </a:r>
+            <a:r>
+              <a:rPr lang="en-GB" dirty="0"/>
+              <a:t>Needs of Coordination</a:t>
+            </a:r>
+          </a:p>
+        </p:txBody>
+      </p:sp>
+      <p:sp>
+        <p:nvSpPr>
+          <p:cNvPr id="3" name="Title 2">
+            <a:extLst>
+              <a:ext uri="{FF2B5EF4-FFF2-40B4-BE49-F238E27FC236}">
+                <a16:creationId xmlns:a16="http://schemas.microsoft.com/office/drawing/2014/main" id="{1AAB14AF-571E-1BA2-5C54-9413DDDE554E}"/>
+              </a:ext>
+            </a:extLst>
+          </p:cNvPr>
+          <p:cNvSpPr>
+            <a:spLocks noGrp="1"/>
+          </p:cNvSpPr>
+          <p:nvPr>
+            <p:ph type="title"/>
+          </p:nvPr>
+        </p:nvSpPr>
+        <p:spPr/>
+        <p:txBody>
+          <a:bodyPr/>
+          <a:lstStyle/>
+          <a:p>
+            <a:r>
+              <a:rPr lang="en-GB" dirty="0"/>
+              <a:t>Institutional Complexity</a:t>
+            </a:r>
+          </a:p>
+        </p:txBody>
+      </p:sp>
+      <p:sp>
+        <p:nvSpPr>
+          <p:cNvPr id="4" name="Footer Placeholder 3">
+            <a:extLst>
+              <a:ext uri="{FF2B5EF4-FFF2-40B4-BE49-F238E27FC236}">
+                <a16:creationId xmlns:a16="http://schemas.microsoft.com/office/drawing/2014/main" id="{9219E2E5-18DD-C7F9-592D-7271B65594DA}"/>
+              </a:ext>
+            </a:extLst>
+          </p:cNvPr>
+          <p:cNvSpPr>
+            <a:spLocks noGrp="1"/>
+          </p:cNvSpPr>
+          <p:nvPr>
+            <p:ph type="ftr" sz="quarter" idx="12"/>
+          </p:nvPr>
+        </p:nvSpPr>
+        <p:spPr/>
+        <p:txBody>
+          <a:bodyPr/>
+          <a:lstStyle/>
+          <a:p>
+            <a:pPr>
+              <a:defRPr/>
+            </a:pPr>
+            <a:r>
+              <a:rPr lang="en-GB">
+                <a:latin typeface="+mn-lt"/>
+              </a:rPr>
+              <a:t>Chair of Environmental &amp; Climate Policy </a:t>
+            </a:r>
+            <a:r>
+              <a:rPr lang="de-DE">
+                <a:solidFill>
+                  <a:prstClr val="black"/>
+                </a:solidFill>
+                <a:latin typeface="+mn-lt"/>
+              </a:rPr>
+              <a:t>| </a:t>
+            </a:r>
+            <a:r>
+              <a:rPr lang="en-GB">
+                <a:latin typeface="+mn-lt"/>
+              </a:rPr>
+              <a:t>The Ethics and Politics of Existential Global Risks  </a:t>
+            </a:r>
+            <a:r>
+              <a:rPr lang="de-DE">
+                <a:solidFill>
+                  <a:prstClr val="black"/>
+                </a:solidFill>
+                <a:latin typeface="+mn-lt"/>
+              </a:rPr>
+              <a:t>| Agnes Dechêne</a:t>
+            </a:r>
+            <a:endParaRPr lang="en-GB" dirty="0">
+              <a:latin typeface="+mn-lt"/>
+            </a:endParaRPr>
+          </a:p>
+        </p:txBody>
+      </p:sp>
+      <p:sp>
+        <p:nvSpPr>
+          <p:cNvPr id="5" name="Slide Number Placeholder 4">
+            <a:extLst>
+              <a:ext uri="{FF2B5EF4-FFF2-40B4-BE49-F238E27FC236}">
+                <a16:creationId xmlns:a16="http://schemas.microsoft.com/office/drawing/2014/main" id="{1808BEFF-007E-B737-CE72-FC2821C7A60E}"/>
+              </a:ext>
+            </a:extLst>
+          </p:cNvPr>
+          <p:cNvSpPr>
+            <a:spLocks noGrp="1"/>
+          </p:cNvSpPr>
+          <p:nvPr>
+            <p:ph type="sldNum" sz="quarter" idx="4"/>
+          </p:nvPr>
+        </p:nvSpPr>
+        <p:spPr/>
+        <p:txBody>
+          <a:bodyPr/>
+          <a:lstStyle/>
+          <a:p>
+            <a:fld id="{CE58CB1E-F828-4F11-99E0-327109AF9DA4}" type="slidenum">
+              <a:rPr lang="de-DE" smtClean="0"/>
+              <a:pPr/>
+              <a:t>10</a:t>
+            </a:fld>
+            <a:endParaRPr lang="de-DE" dirty="0"/>
+          </a:p>
+        </p:txBody>
+      </p:sp>
+    </p:spTree>
+    <p:extLst>
+      <p:ext uri="{BB962C8B-B14F-4D97-AF65-F5344CB8AC3E}">
+        <p14:creationId xmlns:p14="http://schemas.microsoft.com/office/powerpoint/2010/main" val="1043349832"/>
+      </p:ext>
+    </p:extLst>
+  </p:cSld>
+  <p:clrMapOvr>
+    <a:masterClrMapping/>
+  </p:clrMapOvr>
+  <p:timing>
+    <p:tnLst>
+      <p:par>
+        <p:cTn id="1" dur="indefinite" restart="never" nodeType="tmRoot">
+          <p:childTnLst>
+            <p:seq concurrent="1" nextAc="seek">
+              <p:cTn id="2" dur="indefinite" nodeType="mainSeq">
+                <p:childTnLst>
+                  <p:par>
+                    <p:cTn id="3" fill="hold">
+                      <p:stCondLst>
+                        <p:cond delay="indefinite"/>
+                      </p:stCondLst>
+                      <p:childTnLst>
+                        <p:par>
+                          <p:cTn id="4" fill="hold">
+                            <p:stCondLst>
+                              <p:cond delay="0"/>
+                            </p:stCondLst>
+                            <p:childTnLst>
+                              <p:par>
+                                <p:cTn id="5" presetID="1" presetClass="entr" presetSubtype="0" fill="hold" grpId="0" nodeType="clickEffect">
+                                  <p:stCondLst>
+                                    <p:cond delay="0"/>
+                                  </p:stCondLst>
+                                  <p:childTnLst>
+                                    <p:set>
+                                      <p:cBhvr>
+                                        <p:cTn id="6" dur="1" fill="hold">
+                                          <p:stCondLst>
+                                            <p:cond delay="0"/>
+                                          </p:stCondLst>
+                                        </p:cTn>
+                                        <p:tgtEl>
+                                          <p:spTgt spid="2">
+                                            <p:txEl>
+                                              <p:pRg st="0" end="0"/>
+                                            </p:txEl>
+                                          </p:spTgt>
+                                        </p:tgtEl>
+                                        <p:attrNameLst>
+                                          <p:attrName>style.visibility</p:attrName>
+                                        </p:attrNameLst>
+                                      </p:cBhvr>
+                                      <p:to>
+                                        <p:strVal val="visible"/>
+                                      </p:to>
+                                    </p:set>
+                                  </p:childTnLst>
+                                </p:cTn>
+                              </p:par>
+                            </p:childTnLst>
+                          </p:cTn>
+                        </p:par>
+                      </p:childTnLst>
+                    </p:cTn>
+                  </p:par>
+                  <p:par>
+                    <p:cTn id="7" fill="hold">
+                      <p:stCondLst>
+                        <p:cond delay="indefinite"/>
+                      </p:stCondLst>
+                      <p:childTnLst>
+                        <p:par>
+                          <p:cTn id="8" fill="hold">
+                            <p:stCondLst>
+                              <p:cond delay="0"/>
+                            </p:stCondLst>
+                            <p:childTnLst>
+                              <p:par>
+                                <p:cTn id="9" presetID="1" presetClass="entr" presetSubtype="0" fill="hold" grpId="0" nodeType="clickEffect">
+                                  <p:stCondLst>
+                                    <p:cond delay="0"/>
+                                  </p:stCondLst>
+                                  <p:childTnLst>
+                                    <p:set>
+                                      <p:cBhvr>
+                                        <p:cTn id="10" dur="1" fill="hold">
+                                          <p:stCondLst>
+                                            <p:cond delay="0"/>
+                                          </p:stCondLst>
+                                        </p:cTn>
+                                        <p:tgtEl>
+                                          <p:spTgt spid="2">
+                                            <p:txEl>
+                                              <p:pRg st="2" end="2"/>
+                                            </p:txEl>
+                                          </p:spTgt>
+                                        </p:tgtEl>
+                                        <p:attrNameLst>
+                                          <p:attrName>style.visibility</p:attrName>
+                                        </p:attrNameLst>
+                                      </p:cBhvr>
+                                      <p:to>
+                                        <p:strVal val="visible"/>
+                                      </p:to>
+                                    </p:set>
+                                  </p:childTnLst>
+                                </p:cTn>
+                              </p:par>
+                            </p:childTnLst>
+                          </p:cTn>
+                        </p:par>
+                      </p:childTnLst>
+                    </p:cTn>
+                  </p:par>
+                  <p:par>
+                    <p:cTn id="11" fill="hold">
+                      <p:stCondLst>
+                        <p:cond delay="indefinite"/>
+                      </p:stCondLst>
+                      <p:childTnLst>
+                        <p:par>
+                          <p:cTn id="12" fill="hold">
+                            <p:stCondLst>
+                              <p:cond delay="0"/>
+                            </p:stCondLst>
+                            <p:childTnLst>
+                              <p:par>
+                                <p:cTn id="13" presetID="1" presetClass="entr" presetSubtype="0" fill="hold" grpId="0" nodeType="clickEffect">
+                                  <p:stCondLst>
+                                    <p:cond delay="0"/>
+                                  </p:stCondLst>
+                                  <p:childTnLst>
+                                    <p:set>
+                                      <p:cBhvr>
+                                        <p:cTn id="14" dur="1" fill="hold">
+                                          <p:stCondLst>
+                                            <p:cond delay="0"/>
+                                          </p:stCondLst>
+                                        </p:cTn>
+                                        <p:tgtEl>
+                                          <p:spTgt spid="2">
+                                            <p:txEl>
+                                              <p:pRg st="5" end="5"/>
+                                            </p:txEl>
+                                          </p:spTgt>
+                                        </p:tgtEl>
+                                        <p:attrNameLst>
+                                          <p:attrName>style.visibility</p:attrName>
+                                        </p:attrNameLst>
+                                      </p:cBhvr>
+                                      <p:to>
+                                        <p:strVal val="visible"/>
+                                      </p:to>
+                                    </p:set>
+                                  </p:childTnLst>
+                                </p:cTn>
+                              </p:par>
+                            </p:childTnLst>
+                          </p:cTn>
+                        </p:par>
+                      </p:childTnLst>
+                    </p:cTn>
+                  </p:par>
+                </p:childTnLst>
+              </p:cTn>
+              <p:prevCondLst>
+                <p:cond evt="onPrev" delay="0">
+                  <p:tgtEl>
+                    <p:sldTgt/>
+                  </p:tgtEl>
+                </p:cond>
+              </p:prevCondLst>
+              <p:nextCondLst>
+                <p:cond evt="onNext" delay="0">
+                  <p:tgtEl>
+                    <p:sldTgt/>
+                  </p:tgtEl>
+                </p:cond>
+              </p:nextCondLst>
+            </p:seq>
+          </p:childTnLst>
+        </p:cTn>
+      </p:par>
+    </p:tnLst>
+    <p:bldLst>
+      <p:bldP spid="2" grpId="0" build="p"/>
+    </p:bldLst>
+  </p:timing>
+</p:sld>
+</file>
+
+<file path=ppt/slides/slide11.xml><?xml version="1.0" encoding="utf-8"?>
 <p:sld xmlns:a="http://schemas.openxmlformats.org/drawingml/2006/main" xmlns:r="http://schemas.openxmlformats.org/officeDocument/2006/relationships" xmlns:p="http://schemas.openxmlformats.org/presentationml/2006/main">
   <p:cSld>
     <p:spTree>
@@ -10148,7 +10567,7 @@
             <a:fld id="{CE58CB1E-F828-4F11-99E0-327109AF9DA4}" type="slidenum">
               <a:rPr lang="de-DE" smtClean="0"/>
               <a:pPr/>
-              <a:t>10</a:t>
+              <a:t>11</a:t>
             </a:fld>
             <a:endParaRPr lang="de-DE" dirty="0"/>
           </a:p>
@@ -10347,7 +10766,7 @@
 </p:sld>
 </file>
 
-<file path=ppt/slides/slide11.xml><?xml version="1.0" encoding="utf-8"?>
+<file path=ppt/slides/slide12.xml><?xml version="1.0" encoding="utf-8"?>
 <p:sld xmlns:a="http://schemas.openxmlformats.org/drawingml/2006/main" xmlns:r="http://schemas.openxmlformats.org/officeDocument/2006/relationships" xmlns:p="http://schemas.openxmlformats.org/presentationml/2006/main">
   <p:cSld>
     <p:spTree>
@@ -10563,7 +10982,7 @@
             <a:fld id="{CE58CB1E-F828-4F11-99E0-327109AF9DA4}" type="slidenum">
               <a:rPr lang="de-DE" smtClean="0"/>
               <a:pPr/>
-              <a:t>11</a:t>
+              <a:t>12</a:t>
             </a:fld>
             <a:endParaRPr lang="de-DE" dirty="0"/>
           </a:p>
@@ -10896,7 +11315,7 @@
 </p:sld>
 </file>
 
-<file path=ppt/slides/slide12.xml><?xml version="1.0" encoding="utf-8"?>
+<file path=ppt/slides/slide13.xml><?xml version="1.0" encoding="utf-8"?>
 <p:sld xmlns:a="http://schemas.openxmlformats.org/drawingml/2006/main" xmlns:r="http://schemas.openxmlformats.org/officeDocument/2006/relationships" xmlns:p="http://schemas.openxmlformats.org/presentationml/2006/main">
   <p:cSld>
     <p:spTree>
@@ -11026,7 +11445,7 @@
             <a:fld id="{CE58CB1E-F828-4F11-99E0-327109AF9DA4}" type="slidenum">
               <a:rPr lang="de-DE" smtClean="0"/>
               <a:pPr/>
-              <a:t>12</a:t>
+              <a:t>13</a:t>
             </a:fld>
             <a:endParaRPr lang="de-DE" dirty="0"/>
           </a:p>
@@ -11560,7 +11979,7 @@
 </p:sld>
 </file>
 
-<file path=ppt/slides/slide13.xml><?xml version="1.0" encoding="utf-8"?>
+<file path=ppt/slides/slide14.xml><?xml version="1.0" encoding="utf-8"?>
 <p:sld xmlns:a="http://schemas.openxmlformats.org/drawingml/2006/main" xmlns:r="http://schemas.openxmlformats.org/officeDocument/2006/relationships" xmlns:p="http://schemas.openxmlformats.org/presentationml/2006/main">
   <p:cSld>
     <p:spTree>
@@ -11745,7 +12164,7 @@
             <a:fld id="{CE58CB1E-F828-4F11-99E0-327109AF9DA4}" type="slidenum">
               <a:rPr lang="de-DE" smtClean="0"/>
               <a:pPr/>
-              <a:t>13</a:t>
+              <a:t>14</a:t>
             </a:fld>
             <a:endParaRPr lang="de-DE" dirty="0"/>
           </a:p>
@@ -11882,7 +12301,7 @@
 </p:sld>
 </file>
 
-<file path=ppt/slides/slide14.xml><?xml version="1.0" encoding="utf-8"?>
+<file path=ppt/slides/slide15.xml><?xml version="1.0" encoding="utf-8"?>
 <p:sld xmlns:a="http://schemas.openxmlformats.org/drawingml/2006/main" xmlns:r="http://schemas.openxmlformats.org/officeDocument/2006/relationships" xmlns:p="http://schemas.openxmlformats.org/presentationml/2006/main">
   <p:cSld>
     <p:spTree>
@@ -12112,7 +12531,7 @@
             <a:fld id="{CE58CB1E-F828-4F11-99E0-327109AF9DA4}" type="slidenum">
               <a:rPr lang="de-DE" smtClean="0"/>
               <a:pPr/>
-              <a:t>14</a:t>
+              <a:t>15</a:t>
             </a:fld>
             <a:endParaRPr lang="de-DE" dirty="0"/>
           </a:p>
@@ -12316,7 +12735,7 @@
 </p:sld>
 </file>
 
-<file path=ppt/slides/slide15.xml><?xml version="1.0" encoding="utf-8"?>
+<file path=ppt/slides/slide16.xml><?xml version="1.0" encoding="utf-8"?>
 <p:sld xmlns:a="http://schemas.openxmlformats.org/drawingml/2006/main" xmlns:r="http://schemas.openxmlformats.org/officeDocument/2006/relationships" xmlns:p="http://schemas.openxmlformats.org/presentationml/2006/main">
   <p:cSld>
     <p:spTree>
@@ -12485,7 +12904,7 @@
             <a:fld id="{CE58CB1E-F828-4F11-99E0-327109AF9DA4}" type="slidenum">
               <a:rPr lang="de-DE" smtClean="0"/>
               <a:pPr/>
-              <a:t>15</a:t>
+              <a:t>16</a:t>
             </a:fld>
             <a:endParaRPr lang="de-DE" dirty="0"/>
           </a:p>
@@ -12671,7 +13090,7 @@
 </p:sld>
 </file>
 
-<file path=ppt/slides/slide16.xml><?xml version="1.0" encoding="utf-8"?>
+<file path=ppt/slides/slide17.xml><?xml version="1.0" encoding="utf-8"?>
 <p:sld xmlns:a="http://schemas.openxmlformats.org/drawingml/2006/main" xmlns:r="http://schemas.openxmlformats.org/officeDocument/2006/relationships" xmlns:p="http://schemas.openxmlformats.org/presentationml/2006/main">
   <p:cSld>
     <p:spTree>
@@ -12899,7 +13318,7 @@
             <a:fld id="{CE58CB1E-F828-4F11-99E0-327109AF9DA4}" type="slidenum">
               <a:rPr lang="de-DE" smtClean="0"/>
               <a:pPr/>
-              <a:t>16</a:t>
+              <a:t>17</a:t>
             </a:fld>
             <a:endParaRPr lang="de-DE" dirty="0"/>
           </a:p>
@@ -13098,7 +13517,7 @@
 </p:sld>
 </file>
 
-<file path=ppt/slides/slide17.xml><?xml version="1.0" encoding="utf-8"?>
+<file path=ppt/slides/slide18.xml><?xml version="1.0" encoding="utf-8"?>
 <p:sld xmlns:a="http://schemas.openxmlformats.org/drawingml/2006/main" xmlns:r="http://schemas.openxmlformats.org/officeDocument/2006/relationships" xmlns:p="http://schemas.openxmlformats.org/presentationml/2006/main">
   <p:cSld>
     <p:spTree>
@@ -13270,7 +13689,7 @@
             <a:fld id="{CE58CB1E-F828-4F11-99E0-327109AF9DA4}" type="slidenum">
               <a:rPr lang="de-DE" smtClean="0"/>
               <a:pPr/>
-              <a:t>17</a:t>
+              <a:t>18</a:t>
             </a:fld>
             <a:endParaRPr lang="de-DE" dirty="0"/>
           </a:p>
@@ -13456,7 +13875,7 @@
 </p:sld>
 </file>
 
-<file path=ppt/slides/slide18.xml><?xml version="1.0" encoding="utf-8"?>
+<file path=ppt/slides/slide19.xml><?xml version="1.0" encoding="utf-8"?>
 <p:sld xmlns:a="http://schemas.openxmlformats.org/drawingml/2006/main" xmlns:r="http://schemas.openxmlformats.org/officeDocument/2006/relationships" xmlns:p="http://schemas.openxmlformats.org/presentationml/2006/main">
   <p:cSld>
     <p:spTree>
@@ -13680,7 +14099,7 @@
             <a:fld id="{CE58CB1E-F828-4F11-99E0-327109AF9DA4}" type="slidenum">
               <a:rPr lang="de-DE" smtClean="0"/>
               <a:pPr/>
-              <a:t>18</a:t>
+              <a:t>19</a:t>
             </a:fld>
             <a:endParaRPr lang="de-DE" dirty="0"/>
           </a:p>
@@ -13879,238 +14298,6 @@
 </p:sld>
 </file>
 
-<file path=ppt/slides/slide19.xml><?xml version="1.0" encoding="utf-8"?>
-<p:sld xmlns:a="http://schemas.openxmlformats.org/drawingml/2006/main" xmlns:r="http://schemas.openxmlformats.org/officeDocument/2006/relationships" xmlns:p="http://schemas.openxmlformats.org/presentationml/2006/main">
-  <p:cSld>
-    <p:spTree>
-      <p:nvGrpSpPr>
-        <p:cNvPr id="1" name=""/>
-        <p:cNvGrpSpPr/>
-        <p:nvPr/>
-      </p:nvGrpSpPr>
-      <p:grpSpPr>
-        <a:xfrm>
-          <a:off x="0" y="0"/>
-          <a:ext cx="0" cy="0"/>
-          <a:chOff x="0" y="0"/>
-          <a:chExt cx="0" cy="0"/>
-        </a:xfrm>
-      </p:grpSpPr>
-      <p:sp>
-        <p:nvSpPr>
-          <p:cNvPr id="2" name="Content Placeholder 1">
-            <a:extLst>
-              <a:ext uri="{FF2B5EF4-FFF2-40B4-BE49-F238E27FC236}">
-                <a16:creationId xmlns:a16="http://schemas.microsoft.com/office/drawing/2014/main" id="{1E055ABD-E964-2C95-9562-78297438E9A4}"/>
-              </a:ext>
-            </a:extLst>
-          </p:cNvPr>
-          <p:cNvSpPr>
-            <a:spLocks noGrp="1"/>
-          </p:cNvSpPr>
-          <p:nvPr>
-            <p:ph idx="1"/>
-          </p:nvPr>
-        </p:nvSpPr>
-        <p:spPr/>
-        <p:txBody>
-          <a:bodyPr/>
-          <a:lstStyle/>
-          <a:p>
-            <a:pPr marL="342900" indent="-342900">
-              <a:buAutoNum type="arabicPeriod"/>
-            </a:pPr>
-            <a:r>
-              <a:rPr lang="en-GB" dirty="0"/>
-              <a:t>Adding more case studies</a:t>
-            </a:r>
-          </a:p>
-          <a:p>
-            <a:pPr marL="342900" indent="-342900">
-              <a:buAutoNum type="arabicPeriod"/>
-            </a:pPr>
-            <a:endParaRPr lang="en-GB" dirty="0"/>
-          </a:p>
-          <a:p>
-            <a:pPr marL="342900" indent="-342900">
-              <a:buAutoNum type="arabicPeriod"/>
-            </a:pPr>
-            <a:r>
-              <a:rPr lang="en-GB" dirty="0"/>
-              <a:t>Exploring the limitations of transparency</a:t>
-            </a:r>
-          </a:p>
-          <a:p>
-            <a:pPr marL="342900" indent="-342900">
-              <a:buAutoNum type="arabicPeriod"/>
-            </a:pPr>
-            <a:endParaRPr lang="en-GB" dirty="0"/>
-          </a:p>
-          <a:p>
-            <a:pPr marL="342900" indent="-342900">
-              <a:buAutoNum type="arabicPeriod"/>
-            </a:pPr>
-            <a:r>
-              <a:rPr lang="en-GB" dirty="0"/>
-              <a:t>SAICM’s Influence</a:t>
-            </a:r>
-            <a:br>
-              <a:rPr lang="en-GB" dirty="0"/>
-            </a:br>
-            <a:endParaRPr lang="en-GB" dirty="0"/>
-          </a:p>
-          <a:p>
-            <a:r>
-              <a:rPr lang="en-GB" dirty="0"/>
-              <a:t>4.   Incentives for Safer Chemicals</a:t>
-            </a:r>
-          </a:p>
-          <a:p>
-            <a:endParaRPr lang="en-GB" dirty="0"/>
-          </a:p>
-          <a:p>
-            <a:r>
-              <a:rPr lang="en-GB" dirty="0"/>
-              <a:t>5.   Monitoring Challenges: </a:t>
-            </a:r>
-            <a:br>
-              <a:rPr lang="en-GB" dirty="0"/>
-            </a:br>
-            <a:endParaRPr lang="en-GB" dirty="0"/>
-          </a:p>
-        </p:txBody>
-      </p:sp>
-      <p:sp>
-        <p:nvSpPr>
-          <p:cNvPr id="3" name="Title 2">
-            <a:extLst>
-              <a:ext uri="{FF2B5EF4-FFF2-40B4-BE49-F238E27FC236}">
-                <a16:creationId xmlns:a16="http://schemas.microsoft.com/office/drawing/2014/main" id="{828A4E96-78F8-E1AF-B49A-73FC22FFF9FF}"/>
-              </a:ext>
-            </a:extLst>
-          </p:cNvPr>
-          <p:cNvSpPr>
-            <a:spLocks noGrp="1"/>
-          </p:cNvSpPr>
-          <p:nvPr>
-            <p:ph type="title"/>
-          </p:nvPr>
-        </p:nvSpPr>
-        <p:spPr/>
-        <p:txBody>
-          <a:bodyPr/>
-          <a:lstStyle/>
-          <a:p>
-            <a:r>
-              <a:rPr lang="en-GB" dirty="0"/>
-              <a:t>Critique on the Paper</a:t>
-            </a:r>
-          </a:p>
-        </p:txBody>
-      </p:sp>
-      <p:sp>
-        <p:nvSpPr>
-          <p:cNvPr id="4" name="Footer Placeholder 3">
-            <a:extLst>
-              <a:ext uri="{FF2B5EF4-FFF2-40B4-BE49-F238E27FC236}">
-                <a16:creationId xmlns:a16="http://schemas.microsoft.com/office/drawing/2014/main" id="{9553EEE6-9F03-32E7-A23D-26DAE8EFB9FE}"/>
-              </a:ext>
-            </a:extLst>
-          </p:cNvPr>
-          <p:cNvSpPr>
-            <a:spLocks noGrp="1"/>
-          </p:cNvSpPr>
-          <p:nvPr>
-            <p:ph type="ftr" sz="quarter" idx="12"/>
-          </p:nvPr>
-        </p:nvSpPr>
-        <p:spPr/>
-        <p:txBody>
-          <a:bodyPr/>
-          <a:lstStyle/>
-          <a:p>
-            <a:pPr>
-              <a:defRPr/>
-            </a:pPr>
-            <a:r>
-              <a:rPr lang="en-GB">
-                <a:latin typeface="+mn-lt"/>
-              </a:rPr>
-              <a:t>Chair of Environmental &amp; Climate Policy </a:t>
-            </a:r>
-            <a:r>
-              <a:rPr lang="de-DE">
-                <a:solidFill>
-                  <a:prstClr val="black"/>
-                </a:solidFill>
-                <a:latin typeface="+mn-lt"/>
-              </a:rPr>
-              <a:t>| </a:t>
-            </a:r>
-            <a:r>
-              <a:rPr lang="en-GB">
-                <a:latin typeface="+mn-lt"/>
-              </a:rPr>
-              <a:t>The Ethics and Politics of Existential Global Risks  </a:t>
-            </a:r>
-            <a:r>
-              <a:rPr lang="de-DE">
-                <a:solidFill>
-                  <a:prstClr val="black"/>
-                </a:solidFill>
-                <a:latin typeface="+mn-lt"/>
-              </a:rPr>
-              <a:t>| Agnes Dechêne</a:t>
-            </a:r>
-            <a:endParaRPr lang="en-GB" dirty="0">
-              <a:latin typeface="+mn-lt"/>
-            </a:endParaRPr>
-          </a:p>
-        </p:txBody>
-      </p:sp>
-      <p:sp>
-        <p:nvSpPr>
-          <p:cNvPr id="5" name="Slide Number Placeholder 4">
-            <a:extLst>
-              <a:ext uri="{FF2B5EF4-FFF2-40B4-BE49-F238E27FC236}">
-                <a16:creationId xmlns:a16="http://schemas.microsoft.com/office/drawing/2014/main" id="{6DAE846E-50C8-323E-1EE1-F268056AB779}"/>
-              </a:ext>
-            </a:extLst>
-          </p:cNvPr>
-          <p:cNvSpPr>
-            <a:spLocks noGrp="1"/>
-          </p:cNvSpPr>
-          <p:nvPr>
-            <p:ph type="sldNum" sz="quarter" idx="4"/>
-          </p:nvPr>
-        </p:nvSpPr>
-        <p:spPr/>
-        <p:txBody>
-          <a:bodyPr/>
-          <a:lstStyle/>
-          <a:p>
-            <a:fld id="{CE58CB1E-F828-4F11-99E0-327109AF9DA4}" type="slidenum">
-              <a:rPr lang="de-DE" smtClean="0"/>
-              <a:pPr/>
-              <a:t>19</a:t>
-            </a:fld>
-            <a:endParaRPr lang="de-DE" dirty="0"/>
-          </a:p>
-        </p:txBody>
-      </p:sp>
-    </p:spTree>
-    <p:extLst>
-      <p:ext uri="{BB962C8B-B14F-4D97-AF65-F5344CB8AC3E}">
-        <p14:creationId xmlns:p14="http://schemas.microsoft.com/office/powerpoint/2010/main" val="141480120"/>
-      </p:ext>
-    </p:extLst>
-  </p:cSld>
-  <p:clrMapOvr>
-    <a:masterClrMapping/>
-  </p:clrMapOvr>
-</p:sld>
-</file>
-
 <file path=ppt/slides/slide2.xml><?xml version="1.0" encoding="utf-8"?>
 <p:sld xmlns:a="http://schemas.openxmlformats.org/drawingml/2006/main" xmlns:r="http://schemas.openxmlformats.org/officeDocument/2006/relationships" xmlns:p="http://schemas.openxmlformats.org/presentationml/2006/main">
   <p:cSld>
@@ -14444,7 +14631,7 @@
           <p:cNvPr id="2" name="Content Placeholder 1">
             <a:extLst>
               <a:ext uri="{FF2B5EF4-FFF2-40B4-BE49-F238E27FC236}">
-                <a16:creationId xmlns:a16="http://schemas.microsoft.com/office/drawing/2014/main" id="{AC4F3EAD-D68A-6BE9-B86C-CDEBD2BACE60}"/>
+                <a16:creationId xmlns:a16="http://schemas.microsoft.com/office/drawing/2014/main" id="{1E055ABD-E964-2C95-9562-78297438E9A4}"/>
               </a:ext>
             </a:extLst>
           </p:cNvPr>
@@ -14460,70 +14647,66 @@
           <a:bodyPr/>
           <a:lstStyle/>
           <a:p>
-            <a:pPr marL="285750" indent="-285750">
-              <a:buFont typeface="Arial" panose="020B0604020202020204" pitchFamily="34" charset="0"/>
-              <a:buChar char="•"/>
+            <a:pPr marL="342900" indent="-342900">
+              <a:buAutoNum type="arabicPeriod"/>
             </a:pPr>
             <a:r>
-              <a:rPr lang="en-GB" b="1" dirty="0"/>
-              <a:t>Interconnected but Fragmented</a:t>
-            </a:r>
-            <a:r>
               <a:rPr lang="en-GB" dirty="0"/>
-              <a:t>: </a:t>
+              <a:t>Adding more case studies</a:t>
+            </a:r>
+          </a:p>
+          <a:p>
+            <a:pPr marL="342900" indent="-342900">
+              <a:buAutoNum type="arabicPeriod"/>
+            </a:pPr>
+            <a:endParaRPr lang="en-GB" dirty="0"/>
+          </a:p>
+          <a:p>
+            <a:pPr marL="342900" indent="-342900">
+              <a:buAutoNum type="arabicPeriod"/>
+            </a:pPr>
+            <a:r>
+              <a:rPr lang="en-GB" dirty="0"/>
+              <a:t>Exploring the limitations of transparency</a:t>
+            </a:r>
+          </a:p>
+          <a:p>
+            <a:pPr marL="342900" indent="-342900">
+              <a:buAutoNum type="arabicPeriod"/>
+            </a:pPr>
+            <a:endParaRPr lang="en-GB" dirty="0"/>
+          </a:p>
+          <a:p>
+            <a:pPr marL="342900" indent="-342900">
+              <a:buAutoNum type="arabicPeriod"/>
+            </a:pPr>
+            <a:r>
+              <a:rPr lang="en-GB" dirty="0"/>
+              <a:t>SAICM’s Influence</a:t>
             </a:r>
             <a:br>
               <a:rPr lang="en-GB" dirty="0"/>
             </a:br>
+            <a:endParaRPr lang="en-GB" dirty="0"/>
+          </a:p>
+          <a:p>
             <a:r>
               <a:rPr lang="en-GB" dirty="0"/>
-              <a:t>The regime’s structure requires ongoing coordination to be effective.</a:t>
-            </a:r>
-          </a:p>
-          <a:p>
-            <a:pPr marL="285750" indent="-285750">
-              <a:buFont typeface="Arial" panose="020B0604020202020204" pitchFamily="34" charset="0"/>
-              <a:buChar char="•"/>
-            </a:pPr>
+              <a:t>4.   Incentives for Safer Chemicals</a:t>
+            </a:r>
+          </a:p>
+          <a:p>
             <a:endParaRPr lang="en-GB" dirty="0"/>
           </a:p>
           <a:p>
-            <a:pPr marL="285750" indent="-285750">
-              <a:buFont typeface="Arial" panose="020B0604020202020204" pitchFamily="34" charset="0"/>
-              <a:buChar char="•"/>
-            </a:pPr>
-            <a:r>
-              <a:rPr lang="en-GB" b="1" dirty="0"/>
-              <a:t>Role of Capacity-Building</a:t>
-            </a:r>
             <a:r>
               <a:rPr lang="en-GB" dirty="0"/>
-              <a:t>: </a:t>
+              <a:t>5.   Monitoring Challenges: </a:t>
             </a:r>
             <a:br>
               <a:rPr lang="en-GB" dirty="0"/>
             </a:br>
-            <a:r>
-              <a:rPr lang="en-GB" dirty="0"/>
-              <a:t>Developing countries need further support for compliance.</a:t>
-            </a:r>
-          </a:p>
-          <a:p>
-            <a:pPr marL="285750" indent="-285750">
-              <a:buFont typeface="Arial" panose="020B0604020202020204" pitchFamily="34" charset="0"/>
-              <a:buChar char="•"/>
-            </a:pPr>
             <a:endParaRPr lang="en-GB" dirty="0"/>
-          </a:p>
-          <a:p>
-            <a:pPr marL="285750" indent="-285750">
-              <a:buFont typeface="Arial" panose="020B0604020202020204" pitchFamily="34" charset="0"/>
-              <a:buChar char="•"/>
-            </a:pPr>
-            <a:r>
-              <a:rPr lang="en-GB" b="1" dirty="0"/>
-              <a:t>Balancing Interests</a:t>
-            </a:r>
           </a:p>
         </p:txBody>
       </p:sp>
@@ -14532,7 +14715,7 @@
           <p:cNvPr id="3" name="Title 2">
             <a:extLst>
               <a:ext uri="{FF2B5EF4-FFF2-40B4-BE49-F238E27FC236}">
-                <a16:creationId xmlns:a16="http://schemas.microsoft.com/office/drawing/2014/main" id="{EDF984AB-5165-1C23-2993-E78804FC8BCB}"/>
+                <a16:creationId xmlns:a16="http://schemas.microsoft.com/office/drawing/2014/main" id="{828A4E96-78F8-E1AF-B49A-73FC22FFF9FF}"/>
               </a:ext>
             </a:extLst>
           </p:cNvPr>
@@ -14550,7 +14733,7 @@
           <a:p>
             <a:r>
               <a:rPr lang="en-GB" dirty="0"/>
-              <a:t>Wrap up and Take-Home-Message</a:t>
+              <a:t>Critique on the Paper</a:t>
             </a:r>
           </a:p>
         </p:txBody>
@@ -14560,7 +14743,7 @@
           <p:cNvPr id="4" name="Footer Placeholder 3">
             <a:extLst>
               <a:ext uri="{FF2B5EF4-FFF2-40B4-BE49-F238E27FC236}">
-                <a16:creationId xmlns:a16="http://schemas.microsoft.com/office/drawing/2014/main" id="{32D51488-FDDF-E792-1DF5-6EC1F771F247}"/>
+                <a16:creationId xmlns:a16="http://schemas.microsoft.com/office/drawing/2014/main" id="{9553EEE6-9F03-32E7-A23D-26DAE8EFB9FE}"/>
               </a:ext>
             </a:extLst>
           </p:cNvPr>
@@ -14620,7 +14803,7 @@
           <p:cNvPr id="5" name="Slide Number Placeholder 4">
             <a:extLst>
               <a:ext uri="{FF2B5EF4-FFF2-40B4-BE49-F238E27FC236}">
-                <a16:creationId xmlns:a16="http://schemas.microsoft.com/office/drawing/2014/main" id="{8B275B6C-8F0B-18F7-B498-D180D0E1AFA7}"/>
+                <a16:creationId xmlns:a16="http://schemas.microsoft.com/office/drawing/2014/main" id="{6DAE846E-50C8-323E-1EE1-F268056AB779}"/>
               </a:ext>
             </a:extLst>
           </p:cNvPr>
@@ -14648,7 +14831,7 @@
     </p:spTree>
     <p:extLst>
       <p:ext uri="{BB962C8B-B14F-4D97-AF65-F5344CB8AC3E}">
-        <p14:creationId xmlns:p14="http://schemas.microsoft.com/office/powerpoint/2010/main" val="3572037909"/>
+        <p14:creationId xmlns:p14="http://schemas.microsoft.com/office/powerpoint/2010/main" val="141480120"/>
       </p:ext>
     </p:extLst>
   </p:cSld>
@@ -14680,6 +14863,242 @@
           <p:cNvPr id="2" name="Content Placeholder 1">
             <a:extLst>
               <a:ext uri="{FF2B5EF4-FFF2-40B4-BE49-F238E27FC236}">
+                <a16:creationId xmlns:a16="http://schemas.microsoft.com/office/drawing/2014/main" id="{AC4F3EAD-D68A-6BE9-B86C-CDEBD2BACE60}"/>
+              </a:ext>
+            </a:extLst>
+          </p:cNvPr>
+          <p:cNvSpPr>
+            <a:spLocks noGrp="1"/>
+          </p:cNvSpPr>
+          <p:nvPr>
+            <p:ph idx="1"/>
+          </p:nvPr>
+        </p:nvSpPr>
+        <p:spPr/>
+        <p:txBody>
+          <a:bodyPr/>
+          <a:lstStyle/>
+          <a:p>
+            <a:pPr marL="285750" indent="-285750">
+              <a:buFont typeface="Arial" panose="020B0604020202020204" pitchFamily="34" charset="0"/>
+              <a:buChar char="•"/>
+            </a:pPr>
+            <a:r>
+              <a:rPr lang="en-GB" b="1" dirty="0"/>
+              <a:t>Interconnected but Fragmented</a:t>
+            </a:r>
+            <a:r>
+              <a:rPr lang="en-GB" dirty="0"/>
+              <a:t>: </a:t>
+            </a:r>
+            <a:br>
+              <a:rPr lang="en-GB" dirty="0"/>
+            </a:br>
+            <a:r>
+              <a:rPr lang="en-GB" dirty="0"/>
+              <a:t>The regime’s structure requires ongoing coordination to be effective.</a:t>
+            </a:r>
+          </a:p>
+          <a:p>
+            <a:pPr marL="285750" indent="-285750">
+              <a:buFont typeface="Arial" panose="020B0604020202020204" pitchFamily="34" charset="0"/>
+              <a:buChar char="•"/>
+            </a:pPr>
+            <a:endParaRPr lang="en-GB" dirty="0"/>
+          </a:p>
+          <a:p>
+            <a:pPr marL="285750" indent="-285750">
+              <a:buFont typeface="Arial" panose="020B0604020202020204" pitchFamily="34" charset="0"/>
+              <a:buChar char="•"/>
+            </a:pPr>
+            <a:r>
+              <a:rPr lang="en-GB" b="1" dirty="0"/>
+              <a:t>Role of Capacity-Building</a:t>
+            </a:r>
+            <a:r>
+              <a:rPr lang="en-GB" dirty="0"/>
+              <a:t>: </a:t>
+            </a:r>
+            <a:br>
+              <a:rPr lang="en-GB" dirty="0"/>
+            </a:br>
+            <a:r>
+              <a:rPr lang="en-GB" dirty="0"/>
+              <a:t>Developing countries need further support for compliance.</a:t>
+            </a:r>
+          </a:p>
+          <a:p>
+            <a:pPr marL="285750" indent="-285750">
+              <a:buFont typeface="Arial" panose="020B0604020202020204" pitchFamily="34" charset="0"/>
+              <a:buChar char="•"/>
+            </a:pPr>
+            <a:endParaRPr lang="en-GB" dirty="0"/>
+          </a:p>
+          <a:p>
+            <a:pPr marL="285750" indent="-285750">
+              <a:buFont typeface="Arial" panose="020B0604020202020204" pitchFamily="34" charset="0"/>
+              <a:buChar char="•"/>
+            </a:pPr>
+            <a:r>
+              <a:rPr lang="en-GB" b="1" dirty="0"/>
+              <a:t>Balancing Interests</a:t>
+            </a:r>
+          </a:p>
+        </p:txBody>
+      </p:sp>
+      <p:sp>
+        <p:nvSpPr>
+          <p:cNvPr id="3" name="Title 2">
+            <a:extLst>
+              <a:ext uri="{FF2B5EF4-FFF2-40B4-BE49-F238E27FC236}">
+                <a16:creationId xmlns:a16="http://schemas.microsoft.com/office/drawing/2014/main" id="{EDF984AB-5165-1C23-2993-E78804FC8BCB}"/>
+              </a:ext>
+            </a:extLst>
+          </p:cNvPr>
+          <p:cNvSpPr>
+            <a:spLocks noGrp="1"/>
+          </p:cNvSpPr>
+          <p:nvPr>
+            <p:ph type="title"/>
+          </p:nvPr>
+        </p:nvSpPr>
+        <p:spPr/>
+        <p:txBody>
+          <a:bodyPr/>
+          <a:lstStyle/>
+          <a:p>
+            <a:r>
+              <a:rPr lang="en-GB" dirty="0"/>
+              <a:t>Wrap up and Take-Home-Message</a:t>
+            </a:r>
+          </a:p>
+        </p:txBody>
+      </p:sp>
+      <p:sp>
+        <p:nvSpPr>
+          <p:cNvPr id="4" name="Footer Placeholder 3">
+            <a:extLst>
+              <a:ext uri="{FF2B5EF4-FFF2-40B4-BE49-F238E27FC236}">
+                <a16:creationId xmlns:a16="http://schemas.microsoft.com/office/drawing/2014/main" id="{32D51488-FDDF-E792-1DF5-6EC1F771F247}"/>
+              </a:ext>
+            </a:extLst>
+          </p:cNvPr>
+          <p:cNvSpPr>
+            <a:spLocks noGrp="1"/>
+          </p:cNvSpPr>
+          <p:nvPr>
+            <p:ph type="ftr" sz="quarter" idx="12"/>
+          </p:nvPr>
+        </p:nvSpPr>
+        <p:spPr/>
+        <p:txBody>
+          <a:bodyPr/>
+          <a:lstStyle/>
+          <a:p>
+            <a:pPr>
+              <a:defRPr/>
+            </a:pPr>
+            <a:r>
+              <a:rPr lang="en-GB">
+                <a:latin typeface="+mn-lt"/>
+              </a:rPr>
+              <a:t>Chair of Environmental &amp; Climate Policy </a:t>
+            </a:r>
+            <a:r>
+              <a:rPr lang="de-DE">
+                <a:solidFill>
+                  <a:prstClr val="black"/>
+                </a:solidFill>
+                <a:latin typeface="+mn-lt"/>
+              </a:rPr>
+              <a:t>| </a:t>
+            </a:r>
+            <a:r>
+              <a:rPr lang="en-GB">
+                <a:latin typeface="+mn-lt"/>
+              </a:rPr>
+              <a:t>The Ethics and Politics of Existential Global Risks  </a:t>
+            </a:r>
+            <a:r>
+              <a:rPr lang="de-DE">
+                <a:solidFill>
+                  <a:prstClr val="black"/>
+                </a:solidFill>
+                <a:latin typeface="+mn-lt"/>
+              </a:rPr>
+              <a:t>| Agnes Dechêne</a:t>
+            </a:r>
+            <a:endParaRPr lang="en-GB" dirty="0">
+              <a:latin typeface="+mn-lt"/>
+            </a:endParaRPr>
+          </a:p>
+        </p:txBody>
+      </p:sp>
+      <p:sp>
+        <p:nvSpPr>
+          <p:cNvPr id="5" name="Slide Number Placeholder 4">
+            <a:extLst>
+              <a:ext uri="{FF2B5EF4-FFF2-40B4-BE49-F238E27FC236}">
+                <a16:creationId xmlns:a16="http://schemas.microsoft.com/office/drawing/2014/main" id="{8B275B6C-8F0B-18F7-B498-D180D0E1AFA7}"/>
+              </a:ext>
+            </a:extLst>
+          </p:cNvPr>
+          <p:cNvSpPr>
+            <a:spLocks noGrp="1"/>
+          </p:cNvSpPr>
+          <p:nvPr>
+            <p:ph type="sldNum" sz="quarter" idx="4"/>
+          </p:nvPr>
+        </p:nvSpPr>
+        <p:spPr/>
+        <p:txBody>
+          <a:bodyPr/>
+          <a:lstStyle/>
+          <a:p>
+            <a:fld id="{CE58CB1E-F828-4F11-99E0-327109AF9DA4}" type="slidenum">
+              <a:rPr lang="de-DE" smtClean="0"/>
+              <a:pPr/>
+              <a:t>21</a:t>
+            </a:fld>
+            <a:endParaRPr lang="de-DE" dirty="0"/>
+          </a:p>
+        </p:txBody>
+      </p:sp>
+    </p:spTree>
+    <p:extLst>
+      <p:ext uri="{BB962C8B-B14F-4D97-AF65-F5344CB8AC3E}">
+        <p14:creationId xmlns:p14="http://schemas.microsoft.com/office/powerpoint/2010/main" val="3572037909"/>
+      </p:ext>
+    </p:extLst>
+  </p:cSld>
+  <p:clrMapOvr>
+    <a:masterClrMapping/>
+  </p:clrMapOvr>
+</p:sld>
+</file>
+
+<file path=ppt/slides/slide22.xml><?xml version="1.0" encoding="utf-8"?>
+<p:sld xmlns:a="http://schemas.openxmlformats.org/drawingml/2006/main" xmlns:r="http://schemas.openxmlformats.org/officeDocument/2006/relationships" xmlns:p="http://schemas.openxmlformats.org/presentationml/2006/main">
+  <p:cSld>
+    <p:spTree>
+      <p:nvGrpSpPr>
+        <p:cNvPr id="1" name=""/>
+        <p:cNvGrpSpPr/>
+        <p:nvPr/>
+      </p:nvGrpSpPr>
+      <p:grpSpPr>
+        <a:xfrm>
+          <a:off x="0" y="0"/>
+          <a:ext cx="0" cy="0"/>
+          <a:chOff x="0" y="0"/>
+          <a:chExt cx="0" cy="0"/>
+        </a:xfrm>
+      </p:grpSpPr>
+      <p:sp>
+        <p:nvSpPr>
+          <p:cNvPr id="2" name="Content Placeholder 1">
+            <a:extLst>
+              <a:ext uri="{FF2B5EF4-FFF2-40B4-BE49-F238E27FC236}">
                 <a16:creationId xmlns:a16="http://schemas.microsoft.com/office/drawing/2014/main" id="{BB5BB191-7526-B05F-3EE1-23461F0B3A83}"/>
               </a:ext>
             </a:extLst>
@@ -14815,7 +15234,7 @@
             <a:fld id="{CE58CB1E-F828-4F11-99E0-327109AF9DA4}" type="slidenum">
               <a:rPr lang="de-DE" smtClean="0"/>
               <a:pPr/>
-              <a:t>21</a:t>
+              <a:t>22</a:t>
             </a:fld>
             <a:endParaRPr lang="de-DE" dirty="0"/>
           </a:p>
@@ -14834,7 +15253,7 @@
 </p:sld>
 </file>
 
-<file path=ppt/slides/slide22.xml><?xml version="1.0" encoding="utf-8"?>
+<file path=ppt/slides/slide23.xml><?xml version="1.0" encoding="utf-8"?>
 <p:sld xmlns:a="http://schemas.openxmlformats.org/drawingml/2006/main" xmlns:r="http://schemas.openxmlformats.org/officeDocument/2006/relationships" xmlns:p="http://schemas.openxmlformats.org/presentationml/2006/main">
   <p:cSld>
     <p:spTree>
@@ -15130,7 +15549,7 @@
             <a:fld id="{CE58CB1E-F828-4F11-99E0-327109AF9DA4}" type="slidenum">
               <a:rPr lang="de-DE" smtClean="0"/>
               <a:pPr/>
-              <a:t>22</a:t>
+              <a:t>23</a:t>
             </a:fld>
             <a:endParaRPr lang="de-DE" dirty="0"/>
           </a:p>
@@ -15149,7 +15568,7 @@
 </p:sld>
 </file>
 
-<file path=ppt/slides/slide23.xml><?xml version="1.0" encoding="utf-8"?>
+<file path=ppt/slides/slide24.xml><?xml version="1.0" encoding="utf-8"?>
 <p:sld xmlns:a="http://schemas.openxmlformats.org/drawingml/2006/main" xmlns:r="http://schemas.openxmlformats.org/officeDocument/2006/relationships" xmlns:p="http://schemas.openxmlformats.org/presentationml/2006/main">
   <p:cSld>
     <p:spTree>
@@ -15377,7 +15796,7 @@
             <a:fld id="{CE58CB1E-F828-4F11-99E0-327109AF9DA4}" type="slidenum">
               <a:rPr lang="de-DE" smtClean="0"/>
               <a:pPr/>
-              <a:t>23</a:t>
+              <a:t>24</a:t>
             </a:fld>
             <a:endParaRPr lang="de-DE" dirty="0"/>
           </a:p>
@@ -15576,7 +15995,7 @@
 </p:sld>
 </file>
 
-<file path=ppt/slides/slide24.xml><?xml version="1.0" encoding="utf-8"?>
+<file path=ppt/slides/slide25.xml><?xml version="1.0" encoding="utf-8"?>
 <p:sld xmlns:a="http://schemas.openxmlformats.org/drawingml/2006/main" xmlns:r="http://schemas.openxmlformats.org/officeDocument/2006/relationships" xmlns:p="http://schemas.openxmlformats.org/presentationml/2006/main">
   <p:cSld>
     <p:spTree>
@@ -15795,7 +16214,7 @@
             <a:fld id="{CE58CB1E-F828-4F11-99E0-327109AF9DA4}" type="slidenum">
               <a:rPr lang="de-DE" smtClean="0"/>
               <a:pPr/>
-              <a:t>24</a:t>
+              <a:t>25</a:t>
             </a:fld>
             <a:endParaRPr lang="de-DE" dirty="0"/>
           </a:p>
@@ -15999,7 +16418,7 @@
 </p:sld>
 </file>
 
-<file path=ppt/slides/slide25.xml><?xml version="1.0" encoding="utf-8"?>
+<file path=ppt/slides/slide26.xml><?xml version="1.0" encoding="utf-8"?>
 <p:sld xmlns:a="http://schemas.openxmlformats.org/drawingml/2006/main" xmlns:r="http://schemas.openxmlformats.org/officeDocument/2006/relationships" xmlns:p="http://schemas.openxmlformats.org/presentationml/2006/main">
   <p:cSld>
     <p:spTree>
@@ -16174,7 +16593,7 @@
             <a:fld id="{CE58CB1E-F828-4F11-99E0-327109AF9DA4}" type="slidenum">
               <a:rPr lang="de-DE" smtClean="0"/>
               <a:pPr/>
-              <a:t>25</a:t>
+              <a:t>26</a:t>
             </a:fld>
             <a:endParaRPr lang="de-DE" dirty="0"/>
           </a:p>
@@ -16409,7 +16828,7 @@
 </p:sld>
 </file>
 
-<file path=ppt/slides/slide26.xml><?xml version="1.0" encoding="utf-8"?>
+<file path=ppt/slides/slide27.xml><?xml version="1.0" encoding="utf-8"?>
 <p:sld xmlns:a="http://schemas.openxmlformats.org/drawingml/2006/main" xmlns:r="http://schemas.openxmlformats.org/officeDocument/2006/relationships" xmlns:p="http://schemas.openxmlformats.org/presentationml/2006/main">
   <p:cSld>
     <p:spTree>
@@ -16650,7 +17069,7 @@
             <a:fld id="{CE58CB1E-F828-4F11-99E0-327109AF9DA4}" type="slidenum">
               <a:rPr lang="de-DE" smtClean="0"/>
               <a:pPr/>
-              <a:t>26</a:t>
+              <a:t>27</a:t>
             </a:fld>
             <a:endParaRPr lang="de-DE" dirty="0"/>
           </a:p>
@@ -16849,7 +17268,7 @@
 </p:sld>
 </file>
 
-<file path=ppt/slides/slide27.xml><?xml version="1.0" encoding="utf-8"?>
+<file path=ppt/slides/slide28.xml><?xml version="1.0" encoding="utf-8"?>
 <p:sld xmlns:a="http://schemas.openxmlformats.org/drawingml/2006/main" xmlns:r="http://schemas.openxmlformats.org/officeDocument/2006/relationships" xmlns:p="http://schemas.openxmlformats.org/presentationml/2006/main">
   <p:cSld>
     <p:spTree>
@@ -17043,7 +17462,7 @@
             <a:fld id="{CE58CB1E-F828-4F11-99E0-327109AF9DA4}" type="slidenum">
               <a:rPr lang="de-DE" smtClean="0"/>
               <a:pPr/>
-              <a:t>27</a:t>
+              <a:t>28</a:t>
             </a:fld>
             <a:endParaRPr lang="de-DE" dirty="0"/>
           </a:p>
@@ -17327,7 +17746,7 @@
 </p:sld>
 </file>
 
-<file path=ppt/slides/slide28.xml><?xml version="1.0" encoding="utf-8"?>
+<file path=ppt/slides/slide29.xml><?xml version="1.0" encoding="utf-8"?>
 <p:sld xmlns:a="http://schemas.openxmlformats.org/drawingml/2006/main" xmlns:r="http://schemas.openxmlformats.org/officeDocument/2006/relationships" xmlns:p="http://schemas.openxmlformats.org/presentationml/2006/main">
   <p:cSld>
     <p:spTree>
@@ -17527,7 +17946,7 @@
             <a:fld id="{CE58CB1E-F828-4F11-99E0-327109AF9DA4}" type="slidenum">
               <a:rPr lang="de-DE" smtClean="0"/>
               <a:pPr/>
-              <a:t>28</a:t>
+              <a:t>29</a:t>
             </a:fld>
             <a:endParaRPr lang="de-DE" dirty="0"/>
           </a:p>
@@ -17677,7 +18096,7 @@
 </p:sld>
 </file>
 
-<file path=ppt/slides/slide29.xml><?xml version="1.0" encoding="utf-8"?>
+<file path=ppt/slides/slide3.xml><?xml version="1.0" encoding="utf-8"?>
 <p:sld xmlns:a="http://schemas.openxmlformats.org/drawingml/2006/main" xmlns:r="http://schemas.openxmlformats.org/officeDocument/2006/relationships" xmlns:p="http://schemas.openxmlformats.org/presentationml/2006/main">
   <p:cSld>
     <p:spTree>
@@ -17699,6 +18118,240 @@
           <p:cNvPr id="2" name="Content Placeholder 1">
             <a:extLst>
               <a:ext uri="{FF2B5EF4-FFF2-40B4-BE49-F238E27FC236}">
+                <a16:creationId xmlns:a16="http://schemas.microsoft.com/office/drawing/2014/main" id="{9A5F6217-4A8E-4BE5-AF1A-C168AF6255C5}"/>
+              </a:ext>
+            </a:extLst>
+          </p:cNvPr>
+          <p:cNvSpPr>
+            <a:spLocks noGrp="1"/>
+          </p:cNvSpPr>
+          <p:nvPr>
+            <p:ph idx="1"/>
+          </p:nvPr>
+        </p:nvSpPr>
+        <p:spPr/>
+        <p:txBody>
+          <a:bodyPr/>
+          <a:lstStyle/>
+          <a:p>
+            <a:pPr marL="342900" indent="-342900">
+              <a:lnSpc>
+                <a:spcPct val="150000"/>
+              </a:lnSpc>
+              <a:buClr>
+                <a:srgbClr val="005293"/>
+              </a:buClr>
+              <a:buFont typeface="+mj-lt"/>
+              <a:buAutoNum type="alphaUcPeriod"/>
+            </a:pPr>
+            <a:r>
+              <a:rPr lang="en-GB" sz="1800" dirty="0"/>
+              <a:t>Global optimization of all parameters</a:t>
+            </a:r>
+          </a:p>
+          <a:p>
+            <a:pPr marL="342900" indent="-342900">
+              <a:lnSpc>
+                <a:spcPct val="150000"/>
+              </a:lnSpc>
+              <a:buClr>
+                <a:srgbClr val="005293"/>
+              </a:buClr>
+              <a:buFont typeface="+mj-lt"/>
+              <a:buAutoNum type="alphaUcPeriod"/>
+            </a:pPr>
+            <a:r>
+              <a:rPr lang="en-GB" sz="1800" dirty="0"/>
+              <a:t>Shutting off processes</a:t>
+            </a:r>
+          </a:p>
+          <a:p>
+            <a:pPr>
+              <a:lnSpc>
+                <a:spcPct val="150000"/>
+              </a:lnSpc>
+              <a:buClr>
+                <a:srgbClr val="005293"/>
+              </a:buClr>
+            </a:pPr>
+            <a:r>
+              <a:rPr lang="en-GB" sz="1800" dirty="0"/>
+              <a:t>	B.1 Shutting off Snow</a:t>
+            </a:r>
+          </a:p>
+          <a:p>
+            <a:pPr>
+              <a:lnSpc>
+                <a:spcPct val="150000"/>
+              </a:lnSpc>
+              <a:buClr>
+                <a:srgbClr val="005293"/>
+              </a:buClr>
+            </a:pPr>
+            <a:r>
+              <a:rPr lang="en-GB" sz="1800" dirty="0"/>
+              <a:t>	B.2 …</a:t>
+            </a:r>
+          </a:p>
+        </p:txBody>
+      </p:sp>
+      <p:sp>
+        <p:nvSpPr>
+          <p:cNvPr id="5" name="Title 4">
+            <a:extLst>
+              <a:ext uri="{FF2B5EF4-FFF2-40B4-BE49-F238E27FC236}">
+                <a16:creationId xmlns:a16="http://schemas.microsoft.com/office/drawing/2014/main" id="{475BC40F-5F6A-400A-11B0-E3F27EC075C0}"/>
+              </a:ext>
+            </a:extLst>
+          </p:cNvPr>
+          <p:cNvSpPr>
+            <a:spLocks noGrp="1"/>
+          </p:cNvSpPr>
+          <p:nvPr>
+            <p:ph type="title"/>
+          </p:nvPr>
+        </p:nvSpPr>
+        <p:spPr/>
+        <p:txBody>
+          <a:bodyPr/>
+          <a:lstStyle/>
+          <a:p>
+            <a:r>
+              <a:rPr lang="en-GB" dirty="0">
+                <a:solidFill>
+                  <a:srgbClr val="005293"/>
+                </a:solidFill>
+              </a:rPr>
+              <a:t>Agenda </a:t>
+            </a:r>
+          </a:p>
+        </p:txBody>
+      </p:sp>
+      <p:sp>
+        <p:nvSpPr>
+          <p:cNvPr id="6" name="Footer Placeholder 5">
+            <a:extLst>
+              <a:ext uri="{FF2B5EF4-FFF2-40B4-BE49-F238E27FC236}">
+                <a16:creationId xmlns:a16="http://schemas.microsoft.com/office/drawing/2014/main" id="{8F5CDF36-B405-101F-AF3B-95797F3F7C5C}"/>
+              </a:ext>
+            </a:extLst>
+          </p:cNvPr>
+          <p:cNvSpPr>
+            <a:spLocks noGrp="1"/>
+          </p:cNvSpPr>
+          <p:nvPr>
+            <p:ph type="ftr" sz="quarter" idx="12"/>
+          </p:nvPr>
+        </p:nvSpPr>
+        <p:spPr/>
+        <p:txBody>
+          <a:bodyPr/>
+          <a:lstStyle/>
+          <a:p>
+            <a:pPr>
+              <a:defRPr/>
+            </a:pPr>
+            <a:r>
+              <a:rPr lang="en-GB">
+                <a:latin typeface="+mn-lt"/>
+              </a:rPr>
+              <a:t>Chair of Environmental &amp; Climate Policy </a:t>
+            </a:r>
+            <a:r>
+              <a:rPr lang="de-DE">
+                <a:solidFill>
+                  <a:prstClr val="black"/>
+                </a:solidFill>
+                <a:latin typeface="+mn-lt"/>
+              </a:rPr>
+              <a:t>| </a:t>
+            </a:r>
+            <a:r>
+              <a:rPr lang="en-GB">
+                <a:latin typeface="+mn-lt"/>
+              </a:rPr>
+              <a:t>The Ethics and Politics of Existential Global Risks  </a:t>
+            </a:r>
+            <a:r>
+              <a:rPr lang="de-DE">
+                <a:solidFill>
+                  <a:prstClr val="black"/>
+                </a:solidFill>
+                <a:latin typeface="+mn-lt"/>
+              </a:rPr>
+              <a:t>| Agnes Dechêne</a:t>
+            </a:r>
+            <a:endParaRPr lang="en-GB" dirty="0">
+              <a:latin typeface="+mn-lt"/>
+            </a:endParaRPr>
+          </a:p>
+        </p:txBody>
+      </p:sp>
+      <p:sp>
+        <p:nvSpPr>
+          <p:cNvPr id="7" name="Slide Number Placeholder 6">
+            <a:extLst>
+              <a:ext uri="{FF2B5EF4-FFF2-40B4-BE49-F238E27FC236}">
+                <a16:creationId xmlns:a16="http://schemas.microsoft.com/office/drawing/2014/main" id="{A00E7294-EC5F-26B9-FA2B-86A488B32C28}"/>
+              </a:ext>
+            </a:extLst>
+          </p:cNvPr>
+          <p:cNvSpPr>
+            <a:spLocks noGrp="1"/>
+          </p:cNvSpPr>
+          <p:nvPr>
+            <p:ph type="sldNum" sz="quarter" idx="4"/>
+          </p:nvPr>
+        </p:nvSpPr>
+        <p:spPr/>
+        <p:txBody>
+          <a:bodyPr/>
+          <a:lstStyle/>
+          <a:p>
+            <a:fld id="{CE58CB1E-F828-4F11-99E0-327109AF9DA4}" type="slidenum">
+              <a:rPr lang="de-DE" smtClean="0"/>
+              <a:pPr/>
+              <a:t>3</a:t>
+            </a:fld>
+            <a:endParaRPr lang="de-DE" dirty="0"/>
+          </a:p>
+        </p:txBody>
+      </p:sp>
+    </p:spTree>
+    <p:extLst>
+      <p:ext uri="{BB962C8B-B14F-4D97-AF65-F5344CB8AC3E}">
+        <p14:creationId xmlns:p14="http://schemas.microsoft.com/office/powerpoint/2010/main" val="2977513655"/>
+      </p:ext>
+    </p:extLst>
+  </p:cSld>
+  <p:clrMapOvr>
+    <a:masterClrMapping/>
+  </p:clrMapOvr>
+</p:sld>
+</file>
+
+<file path=ppt/slides/slide30.xml><?xml version="1.0" encoding="utf-8"?>
+<p:sld xmlns:a="http://schemas.openxmlformats.org/drawingml/2006/main" xmlns:r="http://schemas.openxmlformats.org/officeDocument/2006/relationships" xmlns:p="http://schemas.openxmlformats.org/presentationml/2006/main">
+  <p:cSld>
+    <p:spTree>
+      <p:nvGrpSpPr>
+        <p:cNvPr id="1" name=""/>
+        <p:cNvGrpSpPr/>
+        <p:nvPr/>
+      </p:nvGrpSpPr>
+      <p:grpSpPr>
+        <a:xfrm>
+          <a:off x="0" y="0"/>
+          <a:ext cx="0" cy="0"/>
+          <a:chOff x="0" y="0"/>
+          <a:chExt cx="0" cy="0"/>
+        </a:xfrm>
+      </p:grpSpPr>
+      <p:sp>
+        <p:nvSpPr>
+          <p:cNvPr id="2" name="Content Placeholder 1">
+            <a:extLst>
+              <a:ext uri="{FF2B5EF4-FFF2-40B4-BE49-F238E27FC236}">
                 <a16:creationId xmlns:a16="http://schemas.microsoft.com/office/drawing/2014/main" id="{43A83EE0-7B6C-0ED4-CEDD-DCCAEDC1B8E7}"/>
               </a:ext>
             </a:extLst>
@@ -17896,7 +18549,7 @@
             <a:fld id="{CE58CB1E-F828-4F11-99E0-327109AF9DA4}" type="slidenum">
               <a:rPr lang="de-DE" smtClean="0"/>
               <a:pPr/>
-              <a:t>29</a:t>
+              <a:t>30</a:t>
             </a:fld>
             <a:endParaRPr lang="de-DE" dirty="0"/>
           </a:p>
@@ -18095,7 +18748,7 @@
 </p:sld>
 </file>
 
-<file path=ppt/slides/slide3.xml><?xml version="1.0" encoding="utf-8"?>
+<file path=ppt/slides/slide31.xml><?xml version="1.0" encoding="utf-8"?>
 <p:sld xmlns:a="http://schemas.openxmlformats.org/drawingml/2006/main" xmlns:r="http://schemas.openxmlformats.org/officeDocument/2006/relationships" xmlns:p="http://schemas.openxmlformats.org/presentationml/2006/main">
   <p:cSld>
     <p:spTree>
@@ -18117,264 +18770,6 @@
           <p:cNvPr id="2" name="Content Placeholder 1">
             <a:extLst>
               <a:ext uri="{FF2B5EF4-FFF2-40B4-BE49-F238E27FC236}">
-                <a16:creationId xmlns:a16="http://schemas.microsoft.com/office/drawing/2014/main" id="{1FED9007-79EC-02CE-8F61-C6166E68BC43}"/>
-              </a:ext>
-            </a:extLst>
-          </p:cNvPr>
-          <p:cNvSpPr>
-            <a:spLocks noGrp="1"/>
-          </p:cNvSpPr>
-          <p:nvPr>
-            <p:ph idx="1"/>
-          </p:nvPr>
-        </p:nvSpPr>
-        <p:spPr/>
-        <p:txBody>
-          <a:bodyPr/>
-          <a:lstStyle/>
-          <a:p>
-            <a:pPr marL="285750" indent="-285750">
-              <a:buFont typeface="Arial" panose="020B0604020202020204" pitchFamily="34" charset="0"/>
-              <a:buChar char="•"/>
-            </a:pPr>
-            <a:r>
-              <a:rPr lang="en-GB" sz="1600" b="0" i="0" u="none" strike="noStrike" dirty="0">
-                <a:solidFill>
-                  <a:srgbClr val="222222"/>
-                </a:solidFill>
-                <a:effectLst/>
-                <a:latin typeface="Cambria" panose="02040503050406030204" pitchFamily="18" charset="0"/>
-              </a:rPr>
-              <a:t>Selin, H. (2013). Global chemicals politics and policy. </a:t>
-            </a:r>
-            <a:r>
-              <a:rPr lang="en-GB" sz="1600" b="0" i="1" u="none" strike="noStrike" dirty="0">
-                <a:solidFill>
-                  <a:srgbClr val="222222"/>
-                </a:solidFill>
-                <a:effectLst/>
-                <a:latin typeface="Cambria" panose="02040503050406030204" pitchFamily="18" charset="0"/>
-              </a:rPr>
-              <a:t>The handbook of global climate and environment policy</a:t>
-            </a:r>
-            <a:r>
-              <a:rPr lang="en-GB" sz="1600" b="0" i="0" u="none" strike="noStrike" dirty="0">
-                <a:solidFill>
-                  <a:srgbClr val="222222"/>
-                </a:solidFill>
-                <a:effectLst/>
-                <a:latin typeface="Cambria" panose="02040503050406030204" pitchFamily="18" charset="0"/>
-              </a:rPr>
-              <a:t>, 107-123.</a:t>
-            </a:r>
-          </a:p>
-          <a:p>
-            <a:pPr marL="285750" indent="-285750">
-              <a:buFont typeface="Arial" panose="020B0604020202020204" pitchFamily="34" charset="0"/>
-              <a:buChar char="•"/>
-            </a:pPr>
-            <a:endParaRPr lang="en-GB" sz="1600" dirty="0">
-              <a:solidFill>
-                <a:srgbClr val="222222"/>
-              </a:solidFill>
-              <a:latin typeface="Cambria" panose="02040503050406030204" pitchFamily="18" charset="0"/>
-            </a:endParaRPr>
-          </a:p>
-          <a:p>
-            <a:pPr marL="285750" indent="-285750">
-              <a:buFont typeface="Arial" panose="020B0604020202020204" pitchFamily="34" charset="0"/>
-              <a:buChar char="•"/>
-            </a:pPr>
-            <a:r>
-              <a:rPr lang="en-GB" sz="1600" b="0" i="0" u="none" strike="noStrike" dirty="0">
-                <a:solidFill>
-                  <a:srgbClr val="222222"/>
-                </a:solidFill>
-                <a:effectLst/>
-                <a:latin typeface="Cambria" panose="02040503050406030204" pitchFamily="18" charset="0"/>
-              </a:rPr>
-              <a:t>Jansen, K., &amp; Dubois, M. (2014). Global pesticide governance by disclosure: Prior informed consent and the Rotterdam convention. </a:t>
-            </a:r>
-            <a:r>
-              <a:rPr lang="en-GB" sz="1600" b="0" i="1" u="none" strike="noStrike" dirty="0">
-                <a:solidFill>
-                  <a:srgbClr val="222222"/>
-                </a:solidFill>
-                <a:effectLst/>
-                <a:latin typeface="Cambria" panose="02040503050406030204" pitchFamily="18" charset="0"/>
-              </a:rPr>
-              <a:t>Transparency in Global Environmental Governance: Critical Perspectives</a:t>
-            </a:r>
-            <a:r>
-              <a:rPr lang="en-GB" sz="1600" b="0" i="0" u="none" strike="noStrike" dirty="0">
-                <a:solidFill>
-                  <a:srgbClr val="222222"/>
-                </a:solidFill>
-                <a:effectLst/>
-                <a:latin typeface="Cambria" panose="02040503050406030204" pitchFamily="18" charset="0"/>
-              </a:rPr>
-              <a:t>, 107-131.</a:t>
-            </a:r>
-            <a:endParaRPr lang="en-GB" dirty="0"/>
-          </a:p>
-          <a:p>
-            <a:endParaRPr lang="en-GB" dirty="0"/>
-          </a:p>
-        </p:txBody>
-      </p:sp>
-      <p:sp>
-        <p:nvSpPr>
-          <p:cNvPr id="3" name="Title 2">
-            <a:extLst>
-              <a:ext uri="{FF2B5EF4-FFF2-40B4-BE49-F238E27FC236}">
-                <a16:creationId xmlns:a16="http://schemas.microsoft.com/office/drawing/2014/main" id="{B04F26D3-88D3-A9B2-009D-9348607287A4}"/>
-              </a:ext>
-            </a:extLst>
-          </p:cNvPr>
-          <p:cNvSpPr>
-            <a:spLocks noGrp="1"/>
-          </p:cNvSpPr>
-          <p:nvPr>
-            <p:ph type="title"/>
-          </p:nvPr>
-        </p:nvSpPr>
-        <p:spPr/>
-        <p:txBody>
-          <a:bodyPr/>
-          <a:lstStyle/>
-          <a:p>
-            <a:r>
-              <a:rPr lang="en-GB" dirty="0"/>
-              <a:t>Short about the 2 papers</a:t>
-            </a:r>
-          </a:p>
-        </p:txBody>
-      </p:sp>
-      <p:sp>
-        <p:nvSpPr>
-          <p:cNvPr id="4" name="Footer Placeholder 3">
-            <a:extLst>
-              <a:ext uri="{FF2B5EF4-FFF2-40B4-BE49-F238E27FC236}">
-                <a16:creationId xmlns:a16="http://schemas.microsoft.com/office/drawing/2014/main" id="{48439574-0F0D-EC37-1537-4427124552FF}"/>
-              </a:ext>
-            </a:extLst>
-          </p:cNvPr>
-          <p:cNvSpPr>
-            <a:spLocks noGrp="1"/>
-          </p:cNvSpPr>
-          <p:nvPr>
-            <p:ph type="ftr" sz="quarter" idx="12"/>
-          </p:nvPr>
-        </p:nvSpPr>
-        <p:spPr/>
-        <p:txBody>
-          <a:bodyPr/>
-          <a:lstStyle/>
-          <a:p>
-            <a:pPr>
-              <a:defRPr/>
-            </a:pPr>
-            <a:r>
-              <a:rPr lang="en-GB">
-                <a:latin typeface="+mn-lt"/>
-              </a:rPr>
-              <a:t>Chair of Environmental &amp; Climate Policy </a:t>
-            </a:r>
-            <a:r>
-              <a:rPr lang="de-DE">
-                <a:solidFill>
-                  <a:prstClr val="black"/>
-                </a:solidFill>
-                <a:latin typeface="+mn-lt"/>
-              </a:rPr>
-              <a:t>| </a:t>
-            </a:r>
-            <a:r>
-              <a:rPr lang="en-GB">
-                <a:latin typeface="+mn-lt"/>
-              </a:rPr>
-              <a:t>The Ethics and Politics of Existential Global Risks  </a:t>
-            </a:r>
-            <a:r>
-              <a:rPr lang="de-DE">
-                <a:solidFill>
-                  <a:prstClr val="black"/>
-                </a:solidFill>
-                <a:latin typeface="+mn-lt"/>
-              </a:rPr>
-              <a:t>| Agnes Dechêne</a:t>
-            </a:r>
-            <a:endParaRPr lang="en-GB" dirty="0">
-              <a:latin typeface="+mn-lt"/>
-            </a:endParaRPr>
-          </a:p>
-        </p:txBody>
-      </p:sp>
-      <p:sp>
-        <p:nvSpPr>
-          <p:cNvPr id="5" name="Slide Number Placeholder 4">
-            <a:extLst>
-              <a:ext uri="{FF2B5EF4-FFF2-40B4-BE49-F238E27FC236}">
-                <a16:creationId xmlns:a16="http://schemas.microsoft.com/office/drawing/2014/main" id="{E577DE6B-BC8E-798E-FFC5-C7F83F7B6135}"/>
-              </a:ext>
-            </a:extLst>
-          </p:cNvPr>
-          <p:cNvSpPr>
-            <a:spLocks noGrp="1"/>
-          </p:cNvSpPr>
-          <p:nvPr>
-            <p:ph type="sldNum" sz="quarter" idx="4"/>
-          </p:nvPr>
-        </p:nvSpPr>
-        <p:spPr/>
-        <p:txBody>
-          <a:bodyPr/>
-          <a:lstStyle/>
-          <a:p>
-            <a:fld id="{CE58CB1E-F828-4F11-99E0-327109AF9DA4}" type="slidenum">
-              <a:rPr lang="de-DE" smtClean="0"/>
-              <a:pPr/>
-              <a:t>3</a:t>
-            </a:fld>
-            <a:endParaRPr lang="de-DE" dirty="0"/>
-          </a:p>
-        </p:txBody>
-      </p:sp>
-    </p:spTree>
-    <p:extLst>
-      <p:ext uri="{BB962C8B-B14F-4D97-AF65-F5344CB8AC3E}">
-        <p14:creationId xmlns:p14="http://schemas.microsoft.com/office/powerpoint/2010/main" val="2033600909"/>
-      </p:ext>
-    </p:extLst>
-  </p:cSld>
-  <p:clrMapOvr>
-    <a:masterClrMapping/>
-  </p:clrMapOvr>
-</p:sld>
-</file>
-
-<file path=ppt/slides/slide30.xml><?xml version="1.0" encoding="utf-8"?>
-<p:sld xmlns:a="http://schemas.openxmlformats.org/drawingml/2006/main" xmlns:r="http://schemas.openxmlformats.org/officeDocument/2006/relationships" xmlns:p="http://schemas.openxmlformats.org/presentationml/2006/main">
-  <p:cSld>
-    <p:spTree>
-      <p:nvGrpSpPr>
-        <p:cNvPr id="1" name=""/>
-        <p:cNvGrpSpPr/>
-        <p:nvPr/>
-      </p:nvGrpSpPr>
-      <p:grpSpPr>
-        <a:xfrm>
-          <a:off x="0" y="0"/>
-          <a:ext cx="0" cy="0"/>
-          <a:chOff x="0" y="0"/>
-          <a:chExt cx="0" cy="0"/>
-        </a:xfrm>
-      </p:grpSpPr>
-      <p:sp>
-        <p:nvSpPr>
-          <p:cNvPr id="2" name="Content Placeholder 1">
-            <a:extLst>
-              <a:ext uri="{FF2B5EF4-FFF2-40B4-BE49-F238E27FC236}">
                 <a16:creationId xmlns:a16="http://schemas.microsoft.com/office/drawing/2014/main" id="{3775EAA9-8FED-A8F0-735D-172D4838ED2D}"/>
               </a:ext>
             </a:extLst>
@@ -18565,7 +18960,7 @@
             <a:fld id="{CE58CB1E-F828-4F11-99E0-327109AF9DA4}" type="slidenum">
               <a:rPr lang="de-DE" smtClean="0"/>
               <a:pPr/>
-              <a:t>30</a:t>
+              <a:t>31</a:t>
             </a:fld>
             <a:endParaRPr lang="de-DE" dirty="0"/>
           </a:p>
@@ -18764,7 +19159,7 @@
 </p:sld>
 </file>
 
-<file path=ppt/slides/slide31.xml><?xml version="1.0" encoding="utf-8"?>
+<file path=ppt/slides/slide32.xml><?xml version="1.0" encoding="utf-8"?>
 <p:sld xmlns:a="http://schemas.openxmlformats.org/drawingml/2006/main" xmlns:r="http://schemas.openxmlformats.org/officeDocument/2006/relationships" xmlns:p="http://schemas.openxmlformats.org/presentationml/2006/main">
   <p:cSld>
     <p:spTree>
@@ -18994,7 +19389,7 @@
             <a:fld id="{CE58CB1E-F828-4F11-99E0-327109AF9DA4}" type="slidenum">
               <a:rPr lang="de-DE" smtClean="0"/>
               <a:pPr/>
-              <a:t>31</a:t>
+              <a:t>32</a:t>
             </a:fld>
             <a:endParaRPr lang="de-DE" dirty="0"/>
           </a:p>
@@ -19193,7 +19588,7 @@
 </p:sld>
 </file>
 
-<file path=ppt/slides/slide32.xml><?xml version="1.0" encoding="utf-8"?>
+<file path=ppt/slides/slide33.xml><?xml version="1.0" encoding="utf-8"?>
 <p:sld xmlns:a="http://schemas.openxmlformats.org/drawingml/2006/main" xmlns:r="http://schemas.openxmlformats.org/officeDocument/2006/relationships" xmlns:p="http://schemas.openxmlformats.org/presentationml/2006/main">
   <p:cSld>
     <p:spTree>
@@ -19416,7 +19811,7 @@
             <a:fld id="{CE58CB1E-F828-4F11-99E0-327109AF9DA4}" type="slidenum">
               <a:rPr lang="de-DE" smtClean="0"/>
               <a:pPr/>
-              <a:t>32</a:t>
+              <a:t>33</a:t>
             </a:fld>
             <a:endParaRPr lang="de-DE" dirty="0"/>
           </a:p>
@@ -19435,7 +19830,7 @@
 </p:sld>
 </file>
 
-<file path=ppt/slides/slide33.xml><?xml version="1.0" encoding="utf-8"?>
+<file path=ppt/slides/slide34.xml><?xml version="1.0" encoding="utf-8"?>
 <p:sld xmlns:a="http://schemas.openxmlformats.org/drawingml/2006/main" xmlns:r="http://schemas.openxmlformats.org/officeDocument/2006/relationships" xmlns:p="http://schemas.openxmlformats.org/presentationml/2006/main">
   <p:cSld>
     <p:spTree>
@@ -19660,7 +20055,7 @@
             <a:fld id="{CE58CB1E-F828-4F11-99E0-327109AF9DA4}" type="slidenum">
               <a:rPr lang="de-DE" smtClean="0"/>
               <a:pPr/>
-              <a:t>33</a:t>
+              <a:t>34</a:t>
             </a:fld>
             <a:endParaRPr lang="de-DE" dirty="0"/>
           </a:p>
@@ -19859,7 +20254,7 @@
 </p:sld>
 </file>
 
-<file path=ppt/slides/slide34.xml><?xml version="1.0" encoding="utf-8"?>
+<file path=ppt/slides/slide35.xml><?xml version="1.0" encoding="utf-8"?>
 <p:sld xmlns:a="http://schemas.openxmlformats.org/drawingml/2006/main" xmlns:r="http://schemas.openxmlformats.org/officeDocument/2006/relationships" xmlns:p="http://schemas.openxmlformats.org/presentationml/2006/main">
   <p:cSld>
     <p:spTree>
@@ -20050,7 +20445,7 @@
             <a:fld id="{CE58CB1E-F828-4F11-99E0-327109AF9DA4}" type="slidenum">
               <a:rPr lang="de-DE" smtClean="0"/>
               <a:pPr/>
-              <a:t>34</a:t>
+              <a:t>35</a:t>
             </a:fld>
             <a:endParaRPr lang="de-DE" dirty="0"/>
           </a:p>
@@ -20334,7 +20729,7 @@
 </p:sld>
 </file>
 
-<file path=ppt/slides/slide35.xml><?xml version="1.0" encoding="utf-8"?>
+<file path=ppt/slides/slide36.xml><?xml version="1.0" encoding="utf-8"?>
 <p:sld xmlns:a="http://schemas.openxmlformats.org/drawingml/2006/main" xmlns:r="http://schemas.openxmlformats.org/officeDocument/2006/relationships" xmlns:p="http://schemas.openxmlformats.org/presentationml/2006/main">
   <p:cSld>
     <p:spTree>
@@ -20416,7 +20811,7 @@
             <a:fld id="{CE58CB1E-F828-4F11-99E0-327109AF9DA4}" type="slidenum">
               <a:rPr lang="de-DE" smtClean="0"/>
               <a:pPr/>
-              <a:t>35</a:t>
+              <a:t>36</a:t>
             </a:fld>
             <a:endParaRPr lang="de-DE" dirty="0"/>
           </a:p>
@@ -20493,7 +20888,7 @@
           <p:cNvPr id="2" name="Content Placeholder 1">
             <a:extLst>
               <a:ext uri="{FF2B5EF4-FFF2-40B4-BE49-F238E27FC236}">
-                <a16:creationId xmlns:a16="http://schemas.microsoft.com/office/drawing/2014/main" id="{9A5F6217-4A8E-4BE5-AF1A-C168AF6255C5}"/>
+                <a16:creationId xmlns:a16="http://schemas.microsoft.com/office/drawing/2014/main" id="{1FED9007-79EC-02CE-8F61-C6166E68BC43}"/>
               </a:ext>
             </a:extLst>
           </p:cNvPr>
@@ -20509,74 +20904,137 @@
           <a:bodyPr/>
           <a:lstStyle/>
           <a:p>
-            <a:pPr marL="342900" indent="-342900">
-              <a:lnSpc>
-                <a:spcPct val="150000"/>
-              </a:lnSpc>
-              <a:buClr>
-                <a:srgbClr val="005293"/>
-              </a:buClr>
-              <a:buFont typeface="+mj-lt"/>
-              <a:buAutoNum type="alphaUcPeriod"/>
+            <a:pPr marL="285750" indent="-285750">
+              <a:buFont typeface="Arial" panose="020B0604020202020204" pitchFamily="34" charset="0"/>
+              <a:buChar char="•"/>
             </a:pPr>
             <a:r>
-              <a:rPr lang="en-GB" sz="1800" dirty="0"/>
-              <a:t>Global chemicals politics and policy</a:t>
-            </a:r>
-          </a:p>
-          <a:p>
-            <a:pPr marL="342900" indent="-342900">
-              <a:lnSpc>
-                <a:spcPct val="150000"/>
-              </a:lnSpc>
-              <a:buClr>
-                <a:srgbClr val="005293"/>
-              </a:buClr>
-              <a:buFont typeface="+mj-lt"/>
-              <a:buAutoNum type="alphaUcPeriod"/>
+              <a:rPr lang="en-GB" dirty="0">
+                <a:solidFill>
+                  <a:srgbClr val="222222"/>
+                </a:solidFill>
+                <a:latin typeface="Cambria" panose="02040503050406030204" pitchFamily="18" charset="0"/>
+              </a:rPr>
+              <a:t>[plot of fitted curve against observed]</a:t>
+            </a:r>
+          </a:p>
+          <a:p>
+            <a:pPr marL="285750" indent="-285750">
+              <a:buFont typeface="Arial" panose="020B0604020202020204" pitchFamily="34" charset="0"/>
+              <a:buChar char="•"/>
             </a:pPr>
             <a:r>
-              <a:rPr lang="en-GB" sz="1800" dirty="0"/>
-              <a:t>Global pesticide governance by disclosure</a:t>
-            </a:r>
-          </a:p>
-          <a:p>
-            <a:pPr marL="342900" indent="-342900">
-              <a:lnSpc>
-                <a:spcPct val="150000"/>
-              </a:lnSpc>
-              <a:buClr>
-                <a:srgbClr val="005293"/>
-              </a:buClr>
-              <a:buFont typeface="+mj-lt"/>
-              <a:buAutoNum type="alphaUcPeriod"/>
-            </a:pPr>
-            <a:r>
-              <a:rPr lang="en-GB" sz="1800" dirty="0"/>
-              <a:t>Conclusion and Synthesis</a:t>
-            </a:r>
-          </a:p>
-          <a:p>
-            <a:pPr marL="342900" indent="-342900">
-              <a:lnSpc>
-                <a:spcPct val="150000"/>
-              </a:lnSpc>
-              <a:buClr>
-                <a:srgbClr val="005293"/>
-              </a:buClr>
-              <a:buFont typeface="+mj-lt"/>
-              <a:buAutoNum type="alphaUcPeriod"/>
-            </a:pPr>
-            <a:endParaRPr lang="en-GB" sz="1800" dirty="0"/>
+              <a:rPr lang="en-GB" dirty="0">
+                <a:solidFill>
+                  <a:srgbClr val="222222"/>
+                </a:solidFill>
+                <a:latin typeface="Cambria" panose="02040503050406030204" pitchFamily="18" charset="0"/>
+              </a:rPr>
+              <a:t>Optimization method and parms used </a:t>
+            </a:r>
+            <a:r>
+              <a:rPr lang="en-GB" dirty="0" err="1">
+                <a:solidFill>
+                  <a:srgbClr val="222222"/>
+                </a:solidFill>
+                <a:latin typeface="Cambria" panose="02040503050406030204" pitchFamily="18" charset="0"/>
+              </a:rPr>
+              <a:t>hier</a:t>
+            </a:r>
+            <a:r>
+              <a:rPr lang="en-GB" dirty="0">
+                <a:solidFill>
+                  <a:srgbClr val="222222"/>
+                </a:solidFill>
+                <a:latin typeface="Cambria" panose="02040503050406030204" pitchFamily="18" charset="0"/>
+              </a:rPr>
+              <a:t> </a:t>
+            </a:r>
+            <a:r>
+              <a:rPr lang="en-GB" dirty="0" err="1">
+                <a:solidFill>
+                  <a:srgbClr val="222222"/>
+                </a:solidFill>
+                <a:latin typeface="Cambria" panose="02040503050406030204" pitchFamily="18" charset="0"/>
+              </a:rPr>
+              <a:t>aufschreiben</a:t>
+            </a:r>
+            <a:r>
+              <a:rPr lang="en-GB" dirty="0">
+                <a:solidFill>
+                  <a:srgbClr val="222222"/>
+                </a:solidFill>
+                <a:latin typeface="Cambria" panose="02040503050406030204" pitchFamily="18" charset="0"/>
+              </a:rPr>
+              <a:t> (</a:t>
+            </a:r>
+            <a:r>
+              <a:rPr lang="en-GB" dirty="0" err="1">
+                <a:solidFill>
+                  <a:srgbClr val="222222"/>
+                </a:solidFill>
+                <a:latin typeface="Cambria" panose="02040503050406030204" pitchFamily="18" charset="0"/>
+              </a:rPr>
+              <a:t>zB</a:t>
+            </a:r>
+            <a:r>
+              <a:rPr lang="en-GB" dirty="0">
+                <a:solidFill>
+                  <a:srgbClr val="222222"/>
+                </a:solidFill>
+                <a:latin typeface="Cambria" panose="02040503050406030204" pitchFamily="18" charset="0"/>
+              </a:rPr>
+              <a:t> </a:t>
+            </a:r>
+            <a:r>
+              <a:rPr lang="en-GB" dirty="0" err="1">
+                <a:solidFill>
+                  <a:srgbClr val="222222"/>
+                </a:solidFill>
+                <a:latin typeface="Cambria" panose="02040503050406030204" pitchFamily="18" charset="0"/>
+              </a:rPr>
+              <a:t>welche</a:t>
+            </a:r>
+            <a:r>
+              <a:rPr lang="en-GB" dirty="0">
+                <a:solidFill>
+                  <a:srgbClr val="222222"/>
+                </a:solidFill>
+                <a:latin typeface="Cambria" panose="02040503050406030204" pitchFamily="18" charset="0"/>
+              </a:rPr>
+              <a:t> </a:t>
+            </a:r>
+            <a:r>
+              <a:rPr lang="en-GB" dirty="0" err="1">
+                <a:solidFill>
+                  <a:srgbClr val="222222"/>
+                </a:solidFill>
+                <a:latin typeface="Cambria" panose="02040503050406030204" pitchFamily="18" charset="0"/>
+              </a:rPr>
+              <a:t>toleranz</a:t>
+            </a:r>
+            <a:r>
+              <a:rPr lang="en-GB" dirty="0">
+                <a:solidFill>
+                  <a:srgbClr val="222222"/>
+                </a:solidFill>
+                <a:latin typeface="Cambria" panose="02040503050406030204" pitchFamily="18" charset="0"/>
+              </a:rPr>
+              <a:t>, initial bounds)</a:t>
+            </a:r>
+            <a:endParaRPr lang="en-GB" dirty="0"/>
+          </a:p>
+          <a:p>
+            <a:endParaRPr lang="en-GB" dirty="0"/>
           </a:p>
         </p:txBody>
       </p:sp>
       <p:sp>
         <p:nvSpPr>
-          <p:cNvPr id="5" name="Title 4">
+          <p:cNvPr id="3" name="Title 2">
             <a:extLst>
               <a:ext uri="{FF2B5EF4-FFF2-40B4-BE49-F238E27FC236}">
-                <a16:creationId xmlns:a16="http://schemas.microsoft.com/office/drawing/2014/main" id="{475BC40F-5F6A-400A-11B0-E3F27EC075C0}"/>
+                <a16:creationId xmlns:a16="http://schemas.microsoft.com/office/drawing/2014/main" id="{B04F26D3-88D3-A9B2-009D-9348607287A4}"/>
               </a:ext>
             </a:extLst>
           </p:cNvPr>
@@ -20593,22 +21051,18 @@
           <a:lstStyle/>
           <a:p>
             <a:r>
-              <a:rPr lang="en-GB" dirty="0">
-                <a:solidFill>
-                  <a:srgbClr val="005293"/>
-                </a:solidFill>
-              </a:rPr>
-              <a:t>Agenda </a:t>
+              <a:rPr lang="en-GB" dirty="0"/>
+              <a:t>A. – Optimization of all parameters</a:t>
             </a:r>
           </a:p>
         </p:txBody>
       </p:sp>
       <p:sp>
         <p:nvSpPr>
-          <p:cNvPr id="6" name="Footer Placeholder 5">
+          <p:cNvPr id="4" name="Footer Placeholder 3">
             <a:extLst>
               <a:ext uri="{FF2B5EF4-FFF2-40B4-BE49-F238E27FC236}">
-                <a16:creationId xmlns:a16="http://schemas.microsoft.com/office/drawing/2014/main" id="{8F5CDF36-B405-101F-AF3B-95797F3F7C5C}"/>
+                <a16:creationId xmlns:a16="http://schemas.microsoft.com/office/drawing/2014/main" id="{48439574-0F0D-EC37-1537-4427124552FF}"/>
               </a:ext>
             </a:extLst>
           </p:cNvPr>
@@ -20665,10 +21119,10 @@
       </p:sp>
       <p:sp>
         <p:nvSpPr>
-          <p:cNvPr id="7" name="Slide Number Placeholder 6">
+          <p:cNvPr id="5" name="Slide Number Placeholder 4">
             <a:extLst>
               <a:ext uri="{FF2B5EF4-FFF2-40B4-BE49-F238E27FC236}">
-                <a16:creationId xmlns:a16="http://schemas.microsoft.com/office/drawing/2014/main" id="{A00E7294-EC5F-26B9-FA2B-86A488B32C28}"/>
+                <a16:creationId xmlns:a16="http://schemas.microsoft.com/office/drawing/2014/main" id="{E577DE6B-BC8E-798E-FFC5-C7F83F7B6135}"/>
               </a:ext>
             </a:extLst>
           </p:cNvPr>
@@ -20696,7 +21150,7 @@
     </p:spTree>
     <p:extLst>
       <p:ext uri="{BB962C8B-B14F-4D97-AF65-F5344CB8AC3E}">
-        <p14:creationId xmlns:p14="http://schemas.microsoft.com/office/powerpoint/2010/main" val="2977513655"/>
+        <p14:creationId xmlns:p14="http://schemas.microsoft.com/office/powerpoint/2010/main" val="2033600909"/>
       </p:ext>
     </p:extLst>
   </p:cSld>
@@ -20714,7 +21168,7 @@
         <p:cNvPr id="1" name="">
           <a:extLst>
             <a:ext uri="{FF2B5EF4-FFF2-40B4-BE49-F238E27FC236}">
-              <a16:creationId xmlns:a16="http://schemas.microsoft.com/office/drawing/2014/main" id="{E1959A71-38F4-E46C-5F80-D86FAED66F41}"/>
+              <a16:creationId xmlns:a16="http://schemas.microsoft.com/office/drawing/2014/main" id="{8B697BCA-84C6-D821-9EE5-01691FFD0E95}"/>
             </a:ext>
           </a:extLst>
         </p:cNvPr>
@@ -20734,7 +21188,7 @@
           <p:cNvPr id="2" name="Content Placeholder 1">
             <a:extLst>
               <a:ext uri="{FF2B5EF4-FFF2-40B4-BE49-F238E27FC236}">
-                <a16:creationId xmlns:a16="http://schemas.microsoft.com/office/drawing/2014/main" id="{4D3C8540-4456-F332-71E3-331180482027}"/>
+                <a16:creationId xmlns:a16="http://schemas.microsoft.com/office/drawing/2014/main" id="{01324B56-D12F-F59C-F804-1F14D619935D}"/>
               </a:ext>
             </a:extLst>
           </p:cNvPr>
@@ -20750,154 +21204,137 @@
           <a:bodyPr/>
           <a:lstStyle/>
           <a:p>
-            <a:pPr marL="342900" indent="-342900">
-              <a:lnSpc>
-                <a:spcPct val="150000"/>
-              </a:lnSpc>
-              <a:buClr>
-                <a:srgbClr val="005293"/>
-              </a:buClr>
-              <a:buFont typeface="+mj-lt"/>
-              <a:buAutoNum type="alphaUcPeriod"/>
+            <a:pPr marL="285750" indent="-285750">
+              <a:buFont typeface="Arial" panose="020B0604020202020204" pitchFamily="34" charset="0"/>
+              <a:buChar char="•"/>
             </a:pPr>
             <a:r>
-              <a:rPr lang="en-GB" sz="1800" b="1" dirty="0"/>
-              <a:t>Global chemicals politics and policy</a:t>
-            </a:r>
-          </a:p>
-          <a:p>
-            <a:pPr marL="576263" lvl="1" indent="-400050">
-              <a:lnSpc>
-                <a:spcPct val="150000"/>
-              </a:lnSpc>
-              <a:buClr>
-                <a:srgbClr val="005293"/>
-              </a:buClr>
-              <a:buFont typeface="+mj-lt"/>
-              <a:buAutoNum type="romanUcPeriod"/>
+              <a:rPr lang="en-GB" dirty="0">
+                <a:solidFill>
+                  <a:srgbClr val="222222"/>
+                </a:solidFill>
+                <a:latin typeface="Cambria" panose="02040503050406030204" pitchFamily="18" charset="0"/>
+              </a:rPr>
+              <a:t>[Plot of optimization curve]</a:t>
+            </a:r>
+          </a:p>
+          <a:p>
+            <a:pPr marL="285750" indent="-285750">
+              <a:buFont typeface="Arial" panose="020B0604020202020204" pitchFamily="34" charset="0"/>
+              <a:buChar char="•"/>
             </a:pPr>
             <a:r>
-              <a:rPr lang="en-GB" sz="1800" b="1" dirty="0"/>
-              <a:t>Chemicals Regime</a:t>
-            </a:r>
-          </a:p>
-          <a:p>
-            <a:pPr marL="576263" lvl="1" indent="-400050">
-              <a:lnSpc>
-                <a:spcPct val="150000"/>
-              </a:lnSpc>
-              <a:buClr>
-                <a:srgbClr val="005293"/>
-              </a:buClr>
-              <a:buFont typeface="+mj-lt"/>
-              <a:buAutoNum type="romanUcPeriod"/>
-            </a:pPr>
-            <a:r>
-              <a:rPr lang="en-GB" sz="1800" b="1" dirty="0"/>
-              <a:t>Main Argument of Paper One</a:t>
-            </a:r>
-          </a:p>
-          <a:p>
-            <a:pPr marL="576263" lvl="1" indent="-400050">
-              <a:lnSpc>
-                <a:spcPct val="150000"/>
-              </a:lnSpc>
-              <a:buClr>
-                <a:srgbClr val="005293"/>
-              </a:buClr>
-              <a:buFont typeface="+mj-lt"/>
-              <a:buAutoNum type="romanUcPeriod"/>
-            </a:pPr>
-            <a:r>
-              <a:rPr lang="en-GB" sz="1800" b="1" dirty="0"/>
-              <a:t>Key Agreements in the Regime</a:t>
-            </a:r>
-          </a:p>
-          <a:p>
-            <a:pPr marL="576263" lvl="1" indent="-400050">
-              <a:lnSpc>
-                <a:spcPct val="150000"/>
-              </a:lnSpc>
-              <a:buClr>
-                <a:srgbClr val="005293"/>
-              </a:buClr>
-              <a:buFont typeface="+mj-lt"/>
-              <a:buAutoNum type="romanUcPeriod"/>
-            </a:pPr>
-            <a:r>
-              <a:rPr lang="en-GB" sz="1800" b="1" dirty="0"/>
-              <a:t>Supporting Points</a:t>
-            </a:r>
-          </a:p>
-          <a:p>
-            <a:pPr marL="576263" lvl="1" indent="-400050">
-              <a:lnSpc>
-                <a:spcPct val="150000"/>
-              </a:lnSpc>
-              <a:buClr>
-                <a:srgbClr val="005293"/>
-              </a:buClr>
-              <a:buFont typeface="+mj-lt"/>
-              <a:buAutoNum type="romanUcPeriod"/>
-            </a:pPr>
-            <a:r>
-              <a:rPr lang="en-GB" sz="1800" b="1" dirty="0"/>
-              <a:t>Critique</a:t>
-            </a:r>
-          </a:p>
-          <a:p>
-            <a:pPr marL="342900" indent="-342900">
-              <a:lnSpc>
-                <a:spcPct val="150000"/>
-              </a:lnSpc>
-              <a:buClr>
-                <a:srgbClr val="005293"/>
-              </a:buClr>
-              <a:buFont typeface="+mj-lt"/>
-              <a:buAutoNum type="alphaUcPeriod"/>
-            </a:pPr>
-            <a:r>
-              <a:rPr lang="en-GB" sz="1800" dirty="0"/>
-              <a:t>Global pesticide governance by disclosure</a:t>
-            </a:r>
-          </a:p>
-          <a:p>
-            <a:pPr marL="342900" indent="-342900">
-              <a:lnSpc>
-                <a:spcPct val="150000"/>
-              </a:lnSpc>
-              <a:buClr>
-                <a:srgbClr val="005293"/>
-              </a:buClr>
-              <a:buFont typeface="+mj-lt"/>
-              <a:buAutoNum type="alphaUcPeriod"/>
-            </a:pPr>
-            <a:r>
-              <a:rPr lang="en-GB" sz="1800" dirty="0"/>
-              <a:t>Conclusion and Synthesis</a:t>
-            </a:r>
-          </a:p>
-          <a:p>
-            <a:pPr marL="342900" indent="-342900">
-              <a:lnSpc>
-                <a:spcPct val="150000"/>
-              </a:lnSpc>
-              <a:buClr>
-                <a:srgbClr val="005293"/>
-              </a:buClr>
-              <a:buFont typeface="+mj-lt"/>
-              <a:buAutoNum type="alphaUcPeriod"/>
-            </a:pPr>
-            <a:endParaRPr lang="en-GB" sz="1800" dirty="0"/>
+              <a:rPr lang="en-GB" dirty="0">
+                <a:solidFill>
+                  <a:srgbClr val="222222"/>
+                </a:solidFill>
+                <a:latin typeface="Cambria" panose="02040503050406030204" pitchFamily="18" charset="0"/>
+              </a:rPr>
+              <a:t>Hier: </a:t>
+            </a:r>
+            <a:r>
+              <a:rPr lang="en-GB" dirty="0" err="1">
+                <a:solidFill>
+                  <a:srgbClr val="222222"/>
+                </a:solidFill>
+                <a:latin typeface="Cambria" panose="02040503050406030204" pitchFamily="18" charset="0"/>
+              </a:rPr>
+              <a:t>welche</a:t>
+            </a:r>
+            <a:r>
+              <a:rPr lang="en-GB" dirty="0">
+                <a:solidFill>
+                  <a:srgbClr val="222222"/>
+                </a:solidFill>
+                <a:latin typeface="Cambria" panose="02040503050406030204" pitchFamily="18" charset="0"/>
+              </a:rPr>
+              <a:t> metric </a:t>
+            </a:r>
+            <a:r>
+              <a:rPr lang="en-GB" dirty="0" err="1">
+                <a:solidFill>
+                  <a:srgbClr val="222222"/>
+                </a:solidFill>
+                <a:latin typeface="Cambria" panose="02040503050406030204" pitchFamily="18" charset="0"/>
+              </a:rPr>
+              <a:t>wir</a:t>
+            </a:r>
+            <a:r>
+              <a:rPr lang="en-GB" dirty="0">
+                <a:solidFill>
+                  <a:srgbClr val="222222"/>
+                </a:solidFill>
+                <a:latin typeface="Cambria" panose="02040503050406030204" pitchFamily="18" charset="0"/>
+              </a:rPr>
+              <a:t> </a:t>
+            </a:r>
+            <a:r>
+              <a:rPr lang="en-GB" dirty="0" err="1">
+                <a:solidFill>
+                  <a:srgbClr val="222222"/>
+                </a:solidFill>
+                <a:latin typeface="Cambria" panose="02040503050406030204" pitchFamily="18" charset="0"/>
+              </a:rPr>
+              <a:t>verwendet</a:t>
+            </a:r>
+            <a:r>
+              <a:rPr lang="en-GB" dirty="0">
+                <a:solidFill>
+                  <a:srgbClr val="222222"/>
+                </a:solidFill>
+                <a:latin typeface="Cambria" panose="02040503050406030204" pitchFamily="18" charset="0"/>
+              </a:rPr>
+              <a:t> </a:t>
+            </a:r>
+            <a:r>
+              <a:rPr lang="en-GB" dirty="0" err="1">
+                <a:solidFill>
+                  <a:srgbClr val="222222"/>
+                </a:solidFill>
+                <a:latin typeface="Cambria" panose="02040503050406030204" pitchFamily="18" charset="0"/>
+              </a:rPr>
+              <a:t>haben</a:t>
+            </a:r>
+            <a:r>
+              <a:rPr lang="en-GB" dirty="0">
+                <a:solidFill>
+                  <a:srgbClr val="222222"/>
+                </a:solidFill>
+                <a:latin typeface="Cambria" panose="02040503050406030204" pitchFamily="18" charset="0"/>
+              </a:rPr>
+              <a:t> (1-nse), was war der wert am </a:t>
+            </a:r>
+            <a:r>
+              <a:rPr lang="en-GB" dirty="0" err="1">
+                <a:solidFill>
+                  <a:srgbClr val="222222"/>
+                </a:solidFill>
+                <a:latin typeface="Cambria" panose="02040503050406030204" pitchFamily="18" charset="0"/>
+              </a:rPr>
+              <a:t>ende</a:t>
+            </a:r>
+            <a:r>
+              <a:rPr lang="en-GB" dirty="0">
+                <a:solidFill>
+                  <a:srgbClr val="222222"/>
+                </a:solidFill>
+                <a:latin typeface="Cambria" panose="02040503050406030204" pitchFamily="18" charset="0"/>
+              </a:rPr>
+              <a:t> etc</a:t>
+            </a:r>
+            <a:endParaRPr lang="en-GB" dirty="0"/>
+          </a:p>
+          <a:p>
+            <a:endParaRPr lang="en-GB" dirty="0"/>
           </a:p>
         </p:txBody>
       </p:sp>
       <p:sp>
         <p:nvSpPr>
-          <p:cNvPr id="5" name="Title 4">
+          <p:cNvPr id="3" name="Title 2">
             <a:extLst>
               <a:ext uri="{FF2B5EF4-FFF2-40B4-BE49-F238E27FC236}">
-                <a16:creationId xmlns:a16="http://schemas.microsoft.com/office/drawing/2014/main" id="{79246810-0FD4-E6EB-41E3-1A51FBE7823E}"/>
+                <a16:creationId xmlns:a16="http://schemas.microsoft.com/office/drawing/2014/main" id="{D85B3948-1B17-6D3A-E2CF-C9F8F3BAD76C}"/>
               </a:ext>
             </a:extLst>
           </p:cNvPr>
@@ -20914,22 +21351,18 @@
           <a:lstStyle/>
           <a:p>
             <a:r>
-              <a:rPr lang="en-GB" dirty="0">
-                <a:solidFill>
-                  <a:srgbClr val="005293"/>
-                </a:solidFill>
-              </a:rPr>
-              <a:t>Agenda </a:t>
+              <a:rPr lang="en-GB" dirty="0"/>
+              <a:t>A. – Optimization of all parameters</a:t>
             </a:r>
           </a:p>
         </p:txBody>
       </p:sp>
       <p:sp>
         <p:nvSpPr>
-          <p:cNvPr id="6" name="Footer Placeholder 5">
+          <p:cNvPr id="4" name="Footer Placeholder 3">
             <a:extLst>
               <a:ext uri="{FF2B5EF4-FFF2-40B4-BE49-F238E27FC236}">
-                <a16:creationId xmlns:a16="http://schemas.microsoft.com/office/drawing/2014/main" id="{964D4D1E-7ED0-61BF-0D7C-508BF85D4825}"/>
+                <a16:creationId xmlns:a16="http://schemas.microsoft.com/office/drawing/2014/main" id="{BB71C185-6408-D79A-A399-D0AFE943DCC3}"/>
               </a:ext>
             </a:extLst>
           </p:cNvPr>
@@ -20986,10 +21419,10 @@
       </p:sp>
       <p:sp>
         <p:nvSpPr>
-          <p:cNvPr id="7" name="Slide Number Placeholder 6">
+          <p:cNvPr id="5" name="Slide Number Placeholder 4">
             <a:extLst>
               <a:ext uri="{FF2B5EF4-FFF2-40B4-BE49-F238E27FC236}">
-                <a16:creationId xmlns:a16="http://schemas.microsoft.com/office/drawing/2014/main" id="{800F3C82-F148-774A-CACB-2C6DBED438D6}"/>
+                <a16:creationId xmlns:a16="http://schemas.microsoft.com/office/drawing/2014/main" id="{7D86C234-2B3A-5389-6772-60268A146D62}"/>
               </a:ext>
             </a:extLst>
           </p:cNvPr>
@@ -21017,7 +21450,7 @@
     </p:spTree>
     <p:extLst>
       <p:ext uri="{BB962C8B-B14F-4D97-AF65-F5344CB8AC3E}">
-        <p14:creationId xmlns:p14="http://schemas.microsoft.com/office/powerpoint/2010/main" val="3347628162"/>
+        <p14:creationId xmlns:p14="http://schemas.microsoft.com/office/powerpoint/2010/main" val="809106193"/>
       </p:ext>
     </p:extLst>
   </p:cSld>
@@ -21071,57 +21504,7 @@
             </a:pPr>
             <a:r>
               <a:rPr lang="en-GB" dirty="0"/>
-              <a:t>The chemical regime includes global and regional agreements aimed at mitigating </a:t>
-            </a:r>
-            <a:r>
-              <a:rPr lang="en-GB" b="1" dirty="0"/>
-              <a:t>environmental and health</a:t>
-            </a:r>
-            <a:r>
-              <a:rPr lang="en-GB" dirty="0"/>
-              <a:t> risks associated with hazardous chemicals.</a:t>
-            </a:r>
-          </a:p>
-          <a:p>
-            <a:pPr marL="285750" indent="-285750">
-              <a:buFont typeface="Arial" panose="020B0604020202020204" pitchFamily="34" charset="0"/>
-              <a:buChar char="•"/>
-            </a:pPr>
-            <a:endParaRPr lang="en-GB" dirty="0"/>
-          </a:p>
-          <a:p>
-            <a:pPr marL="285750" indent="-285750">
-              <a:buFont typeface="Arial" panose="020B0604020202020204" pitchFamily="34" charset="0"/>
-              <a:buChar char="•"/>
-            </a:pPr>
-            <a:r>
-              <a:rPr lang="en-GB" dirty="0"/>
-              <a:t>Basel, Rotterdam, Stockholm Convention and the CLRTAP POPs Protocol</a:t>
-            </a:r>
-          </a:p>
-          <a:p>
-            <a:pPr marL="285750" indent="-285750">
-              <a:buFont typeface="Arial" panose="020B0604020202020204" pitchFamily="34" charset="0"/>
-              <a:buChar char="•"/>
-            </a:pPr>
-            <a:endParaRPr lang="en-GB" dirty="0"/>
-          </a:p>
-          <a:p>
-            <a:pPr marL="285750" indent="-285750">
-              <a:buFont typeface="Arial" panose="020B0604020202020204" pitchFamily="34" charset="0"/>
-              <a:buChar char="•"/>
-            </a:pPr>
-            <a:r>
-              <a:rPr lang="en-GB" dirty="0"/>
-              <a:t>Addressing all stages of </a:t>
-            </a:r>
-            <a:r>
-              <a:rPr lang="en-GB" b="1" dirty="0"/>
-              <a:t>chemicals’ life cycles </a:t>
-            </a:r>
-            <a:r>
-              <a:rPr lang="en-GB" dirty="0"/>
-              <a:t>– production, use, trade, and disposal – trough both proactive and reactive measures.</a:t>
+              <a:t>[scatter plots of the single parameters]</a:t>
             </a:r>
           </a:p>
           <a:p>
@@ -21156,7 +21539,7 @@
           <a:p>
             <a:r>
               <a:rPr lang="en-GB" dirty="0"/>
-              <a:t>Introduction to the Chemicals Regime</a:t>
+              <a:t>A. – Optimization of all parameters</a:t>
             </a:r>
           </a:p>
         </p:txBody>
@@ -21186,13 +21569,13 @@
               <a:defRPr/>
             </a:pPr>
             <a:r>
-              <a:rPr lang="en-GB">
+              <a:rPr lang="en-GB" dirty="0">
                 <a:latin typeface="+mn-lt"/>
               </a:rPr>
               <a:t>Chair of Environmental &amp; Climate Policy </a:t>
             </a:r>
             <a:r>
-              <a:rPr lang="de-DE">
+              <a:rPr lang="de-DE" dirty="0">
                 <a:solidFill>
                   <a:prstClr val="black"/>
                 </a:solidFill>
@@ -21201,19 +21584,28 @@
               <a:t>| </a:t>
             </a:r>
             <a:r>
-              <a:rPr lang="en-GB">
+              <a:rPr lang="en-GB" dirty="0">
                 <a:latin typeface="+mn-lt"/>
               </a:rPr>
               <a:t>The Ethics and Politics of Existential Global Risks  </a:t>
             </a:r>
             <a:r>
-              <a:rPr lang="de-DE">
+              <a:rPr lang="de-DE" dirty="0">
                 <a:solidFill>
                   <a:prstClr val="black"/>
                 </a:solidFill>
                 <a:latin typeface="+mn-lt"/>
               </a:rPr>
-              <a:t>| Agnes Dechêne</a:t>
+              <a:t>| Agnes </a:t>
+            </a:r>
+            <a:r>
+              <a:rPr lang="de-DE" dirty="0" err="1">
+                <a:solidFill>
+                  <a:prstClr val="black"/>
+                </a:solidFill>
+                <a:latin typeface="+mn-lt"/>
+              </a:rPr>
+              <a:t>Dechêne</a:t>
             </a:r>
             <a:endParaRPr lang="en-GB" dirty="0">
               <a:latin typeface="+mn-lt"/>
@@ -21318,27 +21710,267 @@
                       </p:childTnLst>
                     </p:cTn>
                   </p:par>
+                </p:childTnLst>
+              </p:cTn>
+              <p:prevCondLst>
+                <p:cond evt="onPrev" delay="0">
+                  <p:tgtEl>
+                    <p:sldTgt/>
+                  </p:tgtEl>
+                </p:cond>
+              </p:prevCondLst>
+              <p:nextCondLst>
+                <p:cond evt="onNext" delay="0">
+                  <p:tgtEl>
+                    <p:sldTgt/>
+                  </p:tgtEl>
+                </p:cond>
+              </p:nextCondLst>
+            </p:seq>
+          </p:childTnLst>
+        </p:cTn>
+      </p:par>
+    </p:tnLst>
+    <p:bldLst>
+      <p:bldP spid="2" grpId="0" build="p"/>
+    </p:bldLst>
+  </p:timing>
+</p:sld>
+</file>
+
+<file path=ppt/slides/slide7.xml><?xml version="1.0" encoding="utf-8"?>
+<p:sld xmlns:a="http://schemas.openxmlformats.org/drawingml/2006/main" xmlns:r="http://schemas.openxmlformats.org/officeDocument/2006/relationships" xmlns:p="http://schemas.openxmlformats.org/presentationml/2006/main">
+  <p:cSld>
+    <p:spTree>
+      <p:nvGrpSpPr>
+        <p:cNvPr id="1" name="">
+          <a:extLst>
+            <a:ext uri="{FF2B5EF4-FFF2-40B4-BE49-F238E27FC236}">
+              <a16:creationId xmlns:a16="http://schemas.microsoft.com/office/drawing/2014/main" id="{819687F5-DB98-7AC9-C376-6F7489A38C71}"/>
+            </a:ext>
+          </a:extLst>
+        </p:cNvPr>
+        <p:cNvGrpSpPr/>
+        <p:nvPr/>
+      </p:nvGrpSpPr>
+      <p:grpSpPr>
+        <a:xfrm>
+          <a:off x="0" y="0"/>
+          <a:ext cx="0" cy="0"/>
+          <a:chOff x="0" y="0"/>
+          <a:chExt cx="0" cy="0"/>
+        </a:xfrm>
+      </p:grpSpPr>
+      <p:sp>
+        <p:nvSpPr>
+          <p:cNvPr id="2" name="Content Placeholder 1">
+            <a:extLst>
+              <a:ext uri="{FF2B5EF4-FFF2-40B4-BE49-F238E27FC236}">
+                <a16:creationId xmlns:a16="http://schemas.microsoft.com/office/drawing/2014/main" id="{D4E065CB-999F-7A6E-4E3E-095F61E0E03A}"/>
+              </a:ext>
+            </a:extLst>
+          </p:cNvPr>
+          <p:cNvSpPr>
+            <a:spLocks noGrp="1"/>
+          </p:cNvSpPr>
+          <p:nvPr>
+            <p:ph idx="1"/>
+          </p:nvPr>
+        </p:nvSpPr>
+        <p:spPr/>
+        <p:txBody>
+          <a:bodyPr/>
+          <a:lstStyle/>
+          <a:p>
+            <a:pPr marL="285750" indent="-285750">
+              <a:buFont typeface="Arial" panose="020B0604020202020204" pitchFamily="34" charset="0"/>
+              <a:buChar char="•"/>
+            </a:pPr>
+            <a:r>
+              <a:rPr lang="en-GB" dirty="0"/>
+              <a:t>Bild von initial bounds und </a:t>
+            </a:r>
+            <a:r>
+              <a:rPr lang="en-GB"/>
+              <a:t>fitted curve …. </a:t>
+            </a:r>
+            <a:endParaRPr lang="en-GB" dirty="0"/>
+          </a:p>
+          <a:p>
+            <a:pPr marL="285750" indent="-285750">
+              <a:buFont typeface="Arial" panose="020B0604020202020204" pitchFamily="34" charset="0"/>
+              <a:buChar char="•"/>
+            </a:pPr>
+            <a:endParaRPr lang="en-GB" dirty="0"/>
+          </a:p>
+        </p:txBody>
+      </p:sp>
+      <p:sp>
+        <p:nvSpPr>
+          <p:cNvPr id="3" name="Title 2">
+            <a:extLst>
+              <a:ext uri="{FF2B5EF4-FFF2-40B4-BE49-F238E27FC236}">
+                <a16:creationId xmlns:a16="http://schemas.microsoft.com/office/drawing/2014/main" id="{2B9723B0-E71A-D4AD-73BA-7DB78053041F}"/>
+              </a:ext>
+            </a:extLst>
+          </p:cNvPr>
+          <p:cNvSpPr>
+            <a:spLocks noGrp="1"/>
+          </p:cNvSpPr>
+          <p:nvPr>
+            <p:ph type="title"/>
+          </p:nvPr>
+        </p:nvSpPr>
+        <p:spPr/>
+        <p:txBody>
+          <a:bodyPr/>
+          <a:lstStyle/>
+          <a:p>
+            <a:r>
+              <a:rPr lang="en-GB" dirty="0"/>
+              <a:t>B. – Shutting of processes: Snow</a:t>
+            </a:r>
+          </a:p>
+        </p:txBody>
+      </p:sp>
+      <p:sp>
+        <p:nvSpPr>
+          <p:cNvPr id="4" name="Footer Placeholder 3">
+            <a:extLst>
+              <a:ext uri="{FF2B5EF4-FFF2-40B4-BE49-F238E27FC236}">
+                <a16:creationId xmlns:a16="http://schemas.microsoft.com/office/drawing/2014/main" id="{DD93579C-8EFE-400F-F044-57E4A9017926}"/>
+              </a:ext>
+            </a:extLst>
+          </p:cNvPr>
+          <p:cNvSpPr>
+            <a:spLocks noGrp="1"/>
+          </p:cNvSpPr>
+          <p:nvPr>
+            <p:ph type="ftr" sz="quarter" idx="12"/>
+          </p:nvPr>
+        </p:nvSpPr>
+        <p:spPr/>
+        <p:txBody>
+          <a:bodyPr/>
+          <a:lstStyle/>
+          <a:p>
+            <a:pPr>
+              <a:defRPr/>
+            </a:pPr>
+            <a:r>
+              <a:rPr lang="en-GB" dirty="0">
+                <a:latin typeface="+mn-lt"/>
+              </a:rPr>
+              <a:t>Chair of Environmental &amp; Climate Policy </a:t>
+            </a:r>
+            <a:r>
+              <a:rPr lang="de-DE" dirty="0">
+                <a:solidFill>
+                  <a:prstClr val="black"/>
+                </a:solidFill>
+                <a:latin typeface="+mn-lt"/>
+              </a:rPr>
+              <a:t>| </a:t>
+            </a:r>
+            <a:r>
+              <a:rPr lang="en-GB" dirty="0">
+                <a:latin typeface="+mn-lt"/>
+              </a:rPr>
+              <a:t>The Ethics and Politics of Existential Global Risks  </a:t>
+            </a:r>
+            <a:r>
+              <a:rPr lang="de-DE" dirty="0">
+                <a:solidFill>
+                  <a:prstClr val="black"/>
+                </a:solidFill>
+                <a:latin typeface="+mn-lt"/>
+              </a:rPr>
+              <a:t>| Agnes </a:t>
+            </a:r>
+            <a:r>
+              <a:rPr lang="de-DE" dirty="0" err="1">
+                <a:solidFill>
+                  <a:prstClr val="black"/>
+                </a:solidFill>
+                <a:latin typeface="+mn-lt"/>
+              </a:rPr>
+              <a:t>Dechêne</a:t>
+            </a:r>
+            <a:endParaRPr lang="en-GB" dirty="0">
+              <a:latin typeface="+mn-lt"/>
+            </a:endParaRPr>
+          </a:p>
+        </p:txBody>
+      </p:sp>
+      <p:sp>
+        <p:nvSpPr>
+          <p:cNvPr id="5" name="Slide Number Placeholder 4">
+            <a:extLst>
+              <a:ext uri="{FF2B5EF4-FFF2-40B4-BE49-F238E27FC236}">
+                <a16:creationId xmlns:a16="http://schemas.microsoft.com/office/drawing/2014/main" id="{056F9E21-DE27-751E-191C-F2FD0ED8B9E0}"/>
+              </a:ext>
+            </a:extLst>
+          </p:cNvPr>
+          <p:cNvSpPr>
+            <a:spLocks noGrp="1"/>
+          </p:cNvSpPr>
+          <p:nvPr>
+            <p:ph type="sldNum" sz="quarter" idx="4"/>
+          </p:nvPr>
+        </p:nvSpPr>
+        <p:spPr/>
+        <p:txBody>
+          <a:bodyPr/>
+          <a:lstStyle/>
+          <a:p>
+            <a:fld id="{CE58CB1E-F828-4F11-99E0-327109AF9DA4}" type="slidenum">
+              <a:rPr lang="de-DE" smtClean="0"/>
+              <a:pPr/>
+              <a:t>7</a:t>
+            </a:fld>
+            <a:endParaRPr lang="de-DE" dirty="0"/>
+          </a:p>
+        </p:txBody>
+      </p:sp>
+    </p:spTree>
+    <p:extLst>
+      <p:ext uri="{BB962C8B-B14F-4D97-AF65-F5344CB8AC3E}">
+        <p14:creationId xmlns:p14="http://schemas.microsoft.com/office/powerpoint/2010/main" val="2951489769"/>
+      </p:ext>
+    </p:extLst>
+  </p:cSld>
+  <p:clrMapOvr>
+    <a:masterClrMapping/>
+  </p:clrMapOvr>
+  <p:timing>
+    <p:tnLst>
+      <p:par>
+        <p:cTn id="1" dur="indefinite" restart="never" nodeType="tmRoot">
+          <p:childTnLst>
+            <p:seq concurrent="1" nextAc="seek">
+              <p:cTn id="2" dur="indefinite" nodeType="mainSeq">
+                <p:childTnLst>
                   <p:par>
-                    <p:cTn id="7" fill="hold">
+                    <p:cTn id="3" fill="hold">
                       <p:stCondLst>
                         <p:cond delay="indefinite"/>
                       </p:stCondLst>
                       <p:childTnLst>
                         <p:par>
-                          <p:cTn id="8" fill="hold">
+                          <p:cTn id="4" fill="hold">
                             <p:stCondLst>
                               <p:cond delay="0"/>
                             </p:stCondLst>
                             <p:childTnLst>
                               <p:par>
-                                <p:cTn id="9" presetID="1" presetClass="entr" presetSubtype="0" fill="hold" grpId="0" nodeType="clickEffect">
+                                <p:cTn id="5" presetID="1" presetClass="entr" presetSubtype="0" fill="hold" grpId="0" nodeType="clickEffect">
                                   <p:stCondLst>
                                     <p:cond delay="0"/>
                                   </p:stCondLst>
                                   <p:childTnLst>
                                     <p:set>
                                       <p:cBhvr>
-                                        <p:cTn id="10" dur="1" fill="hold">
+                                        <p:cTn id="6" dur="1" fill="hold">
                                           <p:stCondLst>
                                             <p:cond delay="0"/>
                                           </p:stCondLst>
@@ -21346,56 +21978,7 @@
                                         <p:tgtEl>
                                           <p:spTgt spid="2">
                                             <p:txEl>
-                                              <p:pRg st="2" end="2"/>
-                                            </p:txEl>
-                                          </p:spTgt>
-                                        </p:tgtEl>
-                                        <p:attrNameLst>
-                                          <p:attrName>style.visibility</p:attrName>
-                                        </p:attrNameLst>
-                                      </p:cBhvr>
-                                      <p:to>
-                                        <p:strVal val="visible"/>
-                                      </p:to>
-                                    </p:set>
-                                  </p:childTnLst>
-                                </p:cTn>
-                              </p:par>
-                            </p:childTnLst>
-                          </p:cTn>
-                        </p:par>
-                      </p:childTnLst>
-                    </p:cTn>
-                  </p:par>
-                  <p:par>
-                    <p:cTn id="11" fill="hold">
-                      <p:stCondLst>
-                        <p:cond delay="indefinite"/>
-                      </p:stCondLst>
-                      <p:childTnLst>
-                        <p:par>
-                          <p:cTn id="12" fill="hold">
-                            <p:stCondLst>
-                              <p:cond delay="0"/>
-                            </p:stCondLst>
-                            <p:childTnLst>
-                              <p:par>
-                                <p:cTn id="13" presetID="1" presetClass="entr" presetSubtype="0" fill="hold" grpId="0" nodeType="clickEffect">
-                                  <p:stCondLst>
-                                    <p:cond delay="0"/>
-                                  </p:stCondLst>
-                                  <p:childTnLst>
-                                    <p:set>
-                                      <p:cBhvr>
-                                        <p:cTn id="14" dur="1" fill="hold">
-                                          <p:stCondLst>
-                                            <p:cond delay="0"/>
-                                          </p:stCondLst>
-                                        </p:cTn>
-                                        <p:tgtEl>
-                                          <p:spTgt spid="2">
-                                            <p:txEl>
-                                              <p:pRg st="4" end="4"/>
+                                              <p:pRg st="0" end="0"/>
                                             </p:txEl>
                                           </p:spTgt>
                                         </p:tgtEl>
@@ -21444,7 +22027,7 @@
 </p:sld>
 </file>
 
-<file path=ppt/slides/slide7.xml><?xml version="1.0" encoding="utf-8"?>
+<file path=ppt/slides/slide8.xml><?xml version="1.0" encoding="utf-8"?>
 <p:sld xmlns:a="http://schemas.openxmlformats.org/drawingml/2006/main" xmlns:r="http://schemas.openxmlformats.org/officeDocument/2006/relationships" xmlns:p="http://schemas.openxmlformats.org/presentationml/2006/main">
   <p:cSld>
     <p:spTree>
@@ -21662,7 +22245,7 @@
             <a:fld id="{CE58CB1E-F828-4F11-99E0-327109AF9DA4}" type="slidenum">
               <a:rPr lang="de-DE" smtClean="0"/>
               <a:pPr/>
-              <a:t>7</a:t>
+              <a:t>8</a:t>
             </a:fld>
             <a:endParaRPr lang="de-DE" dirty="0"/>
           </a:p>
@@ -21915,7 +22498,7 @@
 </p:sld>
 </file>
 
-<file path=ppt/slides/slide8.xml><?xml version="1.0" encoding="utf-8"?>
+<file path=ppt/slides/slide9.xml><?xml version="1.0" encoding="utf-8"?>
 <p:sld xmlns:a="http://schemas.openxmlformats.org/drawingml/2006/main" xmlns:r="http://schemas.openxmlformats.org/officeDocument/2006/relationships" xmlns:p="http://schemas.openxmlformats.org/presentationml/2006/main">
   <p:cSld>
     <p:spTree>
@@ -22081,7 +22664,7 @@
             <a:fld id="{CE58CB1E-F828-4F11-99E0-327109AF9DA4}" type="slidenum">
               <a:rPr lang="de-DE" smtClean="0"/>
               <a:pPr/>
-              <a:t>8</a:t>
+              <a:t>9</a:t>
             </a:fld>
             <a:endParaRPr lang="de-DE" dirty="0"/>
           </a:p>
@@ -22219,415 +22802,6 @@
                                           <p:spTgt spid="2">
                                             <p:txEl>
                                               <p:pRg st="2" end="2"/>
-                                            </p:txEl>
-                                          </p:spTgt>
-                                        </p:tgtEl>
-                                        <p:attrNameLst>
-                                          <p:attrName>style.visibility</p:attrName>
-                                        </p:attrNameLst>
-                                      </p:cBhvr>
-                                      <p:to>
-                                        <p:strVal val="visible"/>
-                                      </p:to>
-                                    </p:set>
-                                  </p:childTnLst>
-                                </p:cTn>
-                              </p:par>
-                            </p:childTnLst>
-                          </p:cTn>
-                        </p:par>
-                      </p:childTnLst>
-                    </p:cTn>
-                  </p:par>
-                </p:childTnLst>
-              </p:cTn>
-              <p:prevCondLst>
-                <p:cond evt="onPrev" delay="0">
-                  <p:tgtEl>
-                    <p:sldTgt/>
-                  </p:tgtEl>
-                </p:cond>
-              </p:prevCondLst>
-              <p:nextCondLst>
-                <p:cond evt="onNext" delay="0">
-                  <p:tgtEl>
-                    <p:sldTgt/>
-                  </p:tgtEl>
-                </p:cond>
-              </p:nextCondLst>
-            </p:seq>
-          </p:childTnLst>
-        </p:cTn>
-      </p:par>
-    </p:tnLst>
-    <p:bldLst>
-      <p:bldP spid="2" grpId="0" build="p"/>
-    </p:bldLst>
-  </p:timing>
-</p:sld>
-</file>
-
-<file path=ppt/slides/slide9.xml><?xml version="1.0" encoding="utf-8"?>
-<p:sld xmlns:a="http://schemas.openxmlformats.org/drawingml/2006/main" xmlns:r="http://schemas.openxmlformats.org/officeDocument/2006/relationships" xmlns:p="http://schemas.openxmlformats.org/presentationml/2006/main">
-  <p:cSld>
-    <p:spTree>
-      <p:nvGrpSpPr>
-        <p:cNvPr id="1" name="">
-          <a:extLst>
-            <a:ext uri="{FF2B5EF4-FFF2-40B4-BE49-F238E27FC236}">
-              <a16:creationId xmlns:a16="http://schemas.microsoft.com/office/drawing/2014/main" id="{E6ECB3E3-13FE-5C9E-E361-7CA343189347}"/>
-            </a:ext>
-          </a:extLst>
-        </p:cNvPr>
-        <p:cNvGrpSpPr/>
-        <p:nvPr/>
-      </p:nvGrpSpPr>
-      <p:grpSpPr>
-        <a:xfrm>
-          <a:off x="0" y="0"/>
-          <a:ext cx="0" cy="0"/>
-          <a:chOff x="0" y="0"/>
-          <a:chExt cx="0" cy="0"/>
-        </a:xfrm>
-      </p:grpSpPr>
-      <p:sp>
-        <p:nvSpPr>
-          <p:cNvPr id="2" name="Content Placeholder 1">
-            <a:extLst>
-              <a:ext uri="{FF2B5EF4-FFF2-40B4-BE49-F238E27FC236}">
-                <a16:creationId xmlns:a16="http://schemas.microsoft.com/office/drawing/2014/main" id="{18AAFA46-23E5-F670-1134-E294E8C2641F}"/>
-              </a:ext>
-            </a:extLst>
-          </p:cNvPr>
-          <p:cNvSpPr>
-            <a:spLocks noGrp="1"/>
-          </p:cNvSpPr>
-          <p:nvPr>
-            <p:ph idx="1"/>
-          </p:nvPr>
-        </p:nvSpPr>
-        <p:spPr/>
-        <p:txBody>
-          <a:bodyPr/>
-          <a:lstStyle/>
-          <a:p>
-            <a:pPr marL="285750" indent="-285750">
-              <a:buFont typeface="Arial" panose="020B0604020202020204" pitchFamily="34" charset="0"/>
-              <a:buChar char="•"/>
-            </a:pPr>
-            <a:r>
-              <a:rPr lang="en-GB" dirty="0"/>
-              <a:t>Fragmented yet Interconnected</a:t>
-            </a:r>
-          </a:p>
-          <a:p>
-            <a:pPr marL="285750" indent="-285750">
-              <a:buFont typeface="Arial" panose="020B0604020202020204" pitchFamily="34" charset="0"/>
-              <a:buChar char="•"/>
-            </a:pPr>
-            <a:endParaRPr lang="en-GB" dirty="0"/>
-          </a:p>
-          <a:p>
-            <a:pPr marL="285750" indent="-285750">
-              <a:buFont typeface="Arial" panose="020B0604020202020204" pitchFamily="34" charset="0"/>
-              <a:buChar char="•"/>
-            </a:pPr>
-            <a:r>
-              <a:rPr lang="en-GB" dirty="0"/>
-              <a:t>SAICM Framework: Strategic Approach to International Chemicals Management is a voluntary, overarching framework to support policy coordination and capacity-building.</a:t>
-            </a:r>
-          </a:p>
-          <a:p>
-            <a:pPr marL="285750" indent="-285750">
-              <a:buFont typeface="Arial" panose="020B0604020202020204" pitchFamily="34" charset="0"/>
-              <a:buChar char="•"/>
-            </a:pPr>
-            <a:endParaRPr lang="en-GB" dirty="0"/>
-          </a:p>
-          <a:p>
-            <a:pPr marL="285750" indent="-285750">
-              <a:buFont typeface="Arial" panose="020B0604020202020204" pitchFamily="34" charset="0"/>
-              <a:buChar char="•"/>
-            </a:pPr>
-            <a:endParaRPr lang="en-GB" dirty="0"/>
-          </a:p>
-          <a:p>
-            <a:r>
-              <a:rPr lang="en-GB" dirty="0">
-                <a:sym typeface="Wingdings" pitchFamily="2" charset="2"/>
-              </a:rPr>
-              <a:t> </a:t>
-            </a:r>
-            <a:r>
-              <a:rPr lang="en-GB" dirty="0"/>
-              <a:t>Needs of Coordination</a:t>
-            </a:r>
-          </a:p>
-        </p:txBody>
-      </p:sp>
-      <p:sp>
-        <p:nvSpPr>
-          <p:cNvPr id="3" name="Title 2">
-            <a:extLst>
-              <a:ext uri="{FF2B5EF4-FFF2-40B4-BE49-F238E27FC236}">
-                <a16:creationId xmlns:a16="http://schemas.microsoft.com/office/drawing/2014/main" id="{1AAB14AF-571E-1BA2-5C54-9413DDDE554E}"/>
-              </a:ext>
-            </a:extLst>
-          </p:cNvPr>
-          <p:cNvSpPr>
-            <a:spLocks noGrp="1"/>
-          </p:cNvSpPr>
-          <p:nvPr>
-            <p:ph type="title"/>
-          </p:nvPr>
-        </p:nvSpPr>
-        <p:spPr/>
-        <p:txBody>
-          <a:bodyPr/>
-          <a:lstStyle/>
-          <a:p>
-            <a:r>
-              <a:rPr lang="en-GB" dirty="0"/>
-              <a:t>Institutional Complexity</a:t>
-            </a:r>
-          </a:p>
-        </p:txBody>
-      </p:sp>
-      <p:sp>
-        <p:nvSpPr>
-          <p:cNvPr id="4" name="Footer Placeholder 3">
-            <a:extLst>
-              <a:ext uri="{FF2B5EF4-FFF2-40B4-BE49-F238E27FC236}">
-                <a16:creationId xmlns:a16="http://schemas.microsoft.com/office/drawing/2014/main" id="{9219E2E5-18DD-C7F9-592D-7271B65594DA}"/>
-              </a:ext>
-            </a:extLst>
-          </p:cNvPr>
-          <p:cNvSpPr>
-            <a:spLocks noGrp="1"/>
-          </p:cNvSpPr>
-          <p:nvPr>
-            <p:ph type="ftr" sz="quarter" idx="12"/>
-          </p:nvPr>
-        </p:nvSpPr>
-        <p:spPr/>
-        <p:txBody>
-          <a:bodyPr/>
-          <a:lstStyle/>
-          <a:p>
-            <a:pPr>
-              <a:defRPr/>
-            </a:pPr>
-            <a:r>
-              <a:rPr lang="en-GB">
-                <a:latin typeface="+mn-lt"/>
-              </a:rPr>
-              <a:t>Chair of Environmental &amp; Climate Policy </a:t>
-            </a:r>
-            <a:r>
-              <a:rPr lang="de-DE">
-                <a:solidFill>
-                  <a:prstClr val="black"/>
-                </a:solidFill>
-                <a:latin typeface="+mn-lt"/>
-              </a:rPr>
-              <a:t>| </a:t>
-            </a:r>
-            <a:r>
-              <a:rPr lang="en-GB">
-                <a:latin typeface="+mn-lt"/>
-              </a:rPr>
-              <a:t>The Ethics and Politics of Existential Global Risks  </a:t>
-            </a:r>
-            <a:r>
-              <a:rPr lang="de-DE">
-                <a:solidFill>
-                  <a:prstClr val="black"/>
-                </a:solidFill>
-                <a:latin typeface="+mn-lt"/>
-              </a:rPr>
-              <a:t>| Agnes Dechêne</a:t>
-            </a:r>
-            <a:endParaRPr lang="en-GB" dirty="0">
-              <a:latin typeface="+mn-lt"/>
-            </a:endParaRPr>
-          </a:p>
-        </p:txBody>
-      </p:sp>
-      <p:sp>
-        <p:nvSpPr>
-          <p:cNvPr id="5" name="Slide Number Placeholder 4">
-            <a:extLst>
-              <a:ext uri="{FF2B5EF4-FFF2-40B4-BE49-F238E27FC236}">
-                <a16:creationId xmlns:a16="http://schemas.microsoft.com/office/drawing/2014/main" id="{1808BEFF-007E-B737-CE72-FC2821C7A60E}"/>
-              </a:ext>
-            </a:extLst>
-          </p:cNvPr>
-          <p:cNvSpPr>
-            <a:spLocks noGrp="1"/>
-          </p:cNvSpPr>
-          <p:nvPr>
-            <p:ph type="sldNum" sz="quarter" idx="4"/>
-          </p:nvPr>
-        </p:nvSpPr>
-        <p:spPr/>
-        <p:txBody>
-          <a:bodyPr/>
-          <a:lstStyle/>
-          <a:p>
-            <a:fld id="{CE58CB1E-F828-4F11-99E0-327109AF9DA4}" type="slidenum">
-              <a:rPr lang="de-DE" smtClean="0"/>
-              <a:pPr/>
-              <a:t>9</a:t>
-            </a:fld>
-            <a:endParaRPr lang="de-DE" dirty="0"/>
-          </a:p>
-        </p:txBody>
-      </p:sp>
-    </p:spTree>
-    <p:extLst>
-      <p:ext uri="{BB962C8B-B14F-4D97-AF65-F5344CB8AC3E}">
-        <p14:creationId xmlns:p14="http://schemas.microsoft.com/office/powerpoint/2010/main" val="1043349832"/>
-      </p:ext>
-    </p:extLst>
-  </p:cSld>
-  <p:clrMapOvr>
-    <a:masterClrMapping/>
-  </p:clrMapOvr>
-  <p:timing>
-    <p:tnLst>
-      <p:par>
-        <p:cTn id="1" dur="indefinite" restart="never" nodeType="tmRoot">
-          <p:childTnLst>
-            <p:seq concurrent="1" nextAc="seek">
-              <p:cTn id="2" dur="indefinite" nodeType="mainSeq">
-                <p:childTnLst>
-                  <p:par>
-                    <p:cTn id="3" fill="hold">
-                      <p:stCondLst>
-                        <p:cond delay="indefinite"/>
-                      </p:stCondLst>
-                      <p:childTnLst>
-                        <p:par>
-                          <p:cTn id="4" fill="hold">
-                            <p:stCondLst>
-                              <p:cond delay="0"/>
-                            </p:stCondLst>
-                            <p:childTnLst>
-                              <p:par>
-                                <p:cTn id="5" presetID="1" presetClass="entr" presetSubtype="0" fill="hold" grpId="0" nodeType="clickEffect">
-                                  <p:stCondLst>
-                                    <p:cond delay="0"/>
-                                  </p:stCondLst>
-                                  <p:childTnLst>
-                                    <p:set>
-                                      <p:cBhvr>
-                                        <p:cTn id="6" dur="1" fill="hold">
-                                          <p:stCondLst>
-                                            <p:cond delay="0"/>
-                                          </p:stCondLst>
-                                        </p:cTn>
-                                        <p:tgtEl>
-                                          <p:spTgt spid="2">
-                                            <p:txEl>
-                                              <p:pRg st="0" end="0"/>
-                                            </p:txEl>
-                                          </p:spTgt>
-                                        </p:tgtEl>
-                                        <p:attrNameLst>
-                                          <p:attrName>style.visibility</p:attrName>
-                                        </p:attrNameLst>
-                                      </p:cBhvr>
-                                      <p:to>
-                                        <p:strVal val="visible"/>
-                                      </p:to>
-                                    </p:set>
-                                  </p:childTnLst>
-                                </p:cTn>
-                              </p:par>
-                            </p:childTnLst>
-                          </p:cTn>
-                        </p:par>
-                      </p:childTnLst>
-                    </p:cTn>
-                  </p:par>
-                  <p:par>
-                    <p:cTn id="7" fill="hold">
-                      <p:stCondLst>
-                        <p:cond delay="indefinite"/>
-                      </p:stCondLst>
-                      <p:childTnLst>
-                        <p:par>
-                          <p:cTn id="8" fill="hold">
-                            <p:stCondLst>
-                              <p:cond delay="0"/>
-                            </p:stCondLst>
-                            <p:childTnLst>
-                              <p:par>
-                                <p:cTn id="9" presetID="1" presetClass="entr" presetSubtype="0" fill="hold" grpId="0" nodeType="clickEffect">
-                                  <p:stCondLst>
-                                    <p:cond delay="0"/>
-                                  </p:stCondLst>
-                                  <p:childTnLst>
-                                    <p:set>
-                                      <p:cBhvr>
-                                        <p:cTn id="10" dur="1" fill="hold">
-                                          <p:stCondLst>
-                                            <p:cond delay="0"/>
-                                          </p:stCondLst>
-                                        </p:cTn>
-                                        <p:tgtEl>
-                                          <p:spTgt spid="2">
-                                            <p:txEl>
-                                              <p:pRg st="2" end="2"/>
-                                            </p:txEl>
-                                          </p:spTgt>
-                                        </p:tgtEl>
-                                        <p:attrNameLst>
-                                          <p:attrName>style.visibility</p:attrName>
-                                        </p:attrNameLst>
-                                      </p:cBhvr>
-                                      <p:to>
-                                        <p:strVal val="visible"/>
-                                      </p:to>
-                                    </p:set>
-                                  </p:childTnLst>
-                                </p:cTn>
-                              </p:par>
-                            </p:childTnLst>
-                          </p:cTn>
-                        </p:par>
-                      </p:childTnLst>
-                    </p:cTn>
-                  </p:par>
-                  <p:par>
-                    <p:cTn id="11" fill="hold">
-                      <p:stCondLst>
-                        <p:cond delay="indefinite"/>
-                      </p:stCondLst>
-                      <p:childTnLst>
-                        <p:par>
-                          <p:cTn id="12" fill="hold">
-                            <p:stCondLst>
-                              <p:cond delay="0"/>
-                            </p:stCondLst>
-                            <p:childTnLst>
-                              <p:par>
-                                <p:cTn id="13" presetID="1" presetClass="entr" presetSubtype="0" fill="hold" grpId="0" nodeType="clickEffect">
-                                  <p:stCondLst>
-                                    <p:cond delay="0"/>
-                                  </p:stCondLst>
-                                  <p:childTnLst>
-                                    <p:set>
-                                      <p:cBhvr>
-                                        <p:cTn id="14" dur="1" fill="hold">
-                                          <p:stCondLst>
-                                            <p:cond delay="0"/>
-                                          </p:stCondLst>
-                                        </p:cTn>
-                                        <p:tgtEl>
-                                          <p:spTgt spid="2">
-                                            <p:txEl>
-                                              <p:pRg st="5" end="5"/>
                                             </p:txEl>
                                           </p:spTgt>
                                         </p:tgtEl>

--- a/MMUQ_task1.pptx
+++ b/MMUQ_task1.pptx
@@ -10287,7 +10287,7 @@
                 </a:solidFill>
                 <a:latin typeface="Cambria" panose="02040503050406030204" pitchFamily="18" charset="0"/>
               </a:rPr>
-              <a:t> value:</a:t>
+              <a:t> value: 0.84</a:t>
             </a:r>
           </a:p>
           <a:p>
@@ -10320,7 +10320,7 @@
                 </a:solidFill>
                 <a:latin typeface="Cambria" panose="02040503050406030204" pitchFamily="18" charset="0"/>
               </a:rPr>
-              <a:t>:</a:t>
+              <a:t>: 91</a:t>
             </a:r>
           </a:p>
           <a:p>
